--- a/Conception/INFOFO.pptx
+++ b/Conception/INFOFO.pptx
@@ -17,6 +17,7 @@
     <p:sldId id="265" r:id="rId11"/>
     <p:sldId id="266" r:id="rId12"/>
     <p:sldId id="267" r:id="rId13"/>
+    <p:sldId id="268" r:id="rId14"/>
   </p:sldIdLst>
   <p:sldSz cx="12192000" cy="6858000"/>
   <p:notesSz cx="6858000" cy="9144000"/>
@@ -115,6 +116,11 @@
       </a:defRPr>
     </a:lvl9pPr>
   </p:defaultTextStyle>
+  <p:extLst>
+    <p:ext uri="{EFAFB233-063F-42B5-8137-9DF3F51BA10A}">
+      <p15:sldGuideLst xmlns:p15="http://schemas.microsoft.com/office/powerpoint/2012/main"/>
+    </p:ext>
+  </p:extLst>
 </p:presentation>
 </file>
 
@@ -3456,10 +3462,199 @@
           </a:p>
         </p:txBody>
       </p:sp>
+      <p:pic>
+        <p:nvPicPr>
+          <p:cNvPr id="3" name="Image 2"/>
+          <p:cNvPicPr>
+            <a:picLocks noChangeAspect="1"/>
+          </p:cNvPicPr>
+          <p:nvPr/>
+        </p:nvPicPr>
+        <p:blipFill>
+          <a:blip r:embed="rId2"/>
+          <a:stretch>
+            <a:fillRect/>
+          </a:stretch>
+        </p:blipFill>
+        <p:spPr>
+          <a:xfrm>
+            <a:off x="441914" y="2077625"/>
+            <a:ext cx="4979966" cy="2788080"/>
+          </a:xfrm>
+          <a:prstGeom prst="rect">
+            <a:avLst/>
+          </a:prstGeom>
+        </p:spPr>
+      </p:pic>
+      <p:pic>
+        <p:nvPicPr>
+          <p:cNvPr id="4" name="Image 3"/>
+          <p:cNvPicPr>
+            <a:picLocks noChangeAspect="1"/>
+          </p:cNvPicPr>
+          <p:nvPr/>
+        </p:nvPicPr>
+        <p:blipFill>
+          <a:blip r:embed="rId3"/>
+          <a:stretch>
+            <a:fillRect/>
+          </a:stretch>
+        </p:blipFill>
+        <p:spPr>
+          <a:xfrm>
+            <a:off x="5648450" y="1704444"/>
+            <a:ext cx="5532168" cy="3534441"/>
+          </a:xfrm>
+          <a:prstGeom prst="rect">
+            <a:avLst/>
+          </a:prstGeom>
+        </p:spPr>
+      </p:pic>
     </p:spTree>
     <p:extLst>
       <p:ext uri="{BB962C8B-B14F-4D97-AF65-F5344CB8AC3E}">
         <p14:creationId xmlns:p14="http://schemas.microsoft.com/office/powerpoint/2010/main" val="6793766"/>
+      </p:ext>
+    </p:extLst>
+  </p:cSld>
+  <p:clrMapOvr>
+    <a:masterClrMapping/>
+  </p:clrMapOvr>
+</p:sld>
+</file>
+
+<file path=ppt/slides/slide13.xml><?xml version="1.0" encoding="utf-8"?>
+<p:sld xmlns:a="http://schemas.openxmlformats.org/drawingml/2006/main" xmlns:r="http://schemas.openxmlformats.org/officeDocument/2006/relationships" xmlns:p="http://schemas.openxmlformats.org/presentationml/2006/main">
+  <p:cSld>
+    <p:bg>
+      <p:bgPr>
+        <a:gradFill>
+          <a:gsLst>
+            <a:gs pos="0">
+              <a:schemeClr val="accent1">
+                <a:lumMod val="5000"/>
+                <a:lumOff val="95000"/>
+              </a:schemeClr>
+            </a:gs>
+            <a:gs pos="32000">
+              <a:schemeClr val="accent1">
+                <a:lumMod val="75000"/>
+              </a:schemeClr>
+            </a:gs>
+            <a:gs pos="69000">
+              <a:schemeClr val="accent1">
+                <a:lumMod val="60000"/>
+                <a:lumOff val="40000"/>
+              </a:schemeClr>
+            </a:gs>
+            <a:gs pos="100000">
+              <a:schemeClr val="accent1">
+                <a:lumMod val="30000"/>
+                <a:lumOff val="70000"/>
+              </a:schemeClr>
+            </a:gs>
+          </a:gsLst>
+          <a:lin ang="5400000" scaled="1"/>
+        </a:gradFill>
+        <a:effectLst/>
+      </p:bgPr>
+    </p:bg>
+    <p:spTree>
+      <p:nvGrpSpPr>
+        <p:cNvPr id="1" name=""/>
+        <p:cNvGrpSpPr/>
+        <p:nvPr/>
+      </p:nvGrpSpPr>
+      <p:grpSpPr>
+        <a:xfrm>
+          <a:off x="0" y="0"/>
+          <a:ext cx="0" cy="0"/>
+          <a:chOff x="0" y="0"/>
+          <a:chExt cx="0" cy="0"/>
+        </a:xfrm>
+      </p:grpSpPr>
+      <p:sp>
+        <p:nvSpPr>
+          <p:cNvPr id="2" name="Titre 1"/>
+          <p:cNvSpPr>
+            <a:spLocks noGrp="1"/>
+          </p:cNvSpPr>
+          <p:nvPr>
+            <p:ph type="title"/>
+          </p:nvPr>
+        </p:nvSpPr>
+        <p:spPr>
+          <a:xfrm>
+            <a:off x="164080" y="-202204"/>
+            <a:ext cx="10515600" cy="1325563"/>
+          </a:xfrm>
+        </p:spPr>
+        <p:txBody>
+          <a:bodyPr>
+            <a:normAutofit/>
+          </a:bodyPr>
+          <a:lstStyle/>
+          <a:p>
+            <a:r>
+              <a:rPr lang="fr-FR" sz="3600" dirty="0" smtClean="0"/>
+              <a:t>Modification du compte</a:t>
+            </a:r>
+            <a:endParaRPr lang="fr-FR" sz="3600" dirty="0"/>
+          </a:p>
+        </p:txBody>
+      </p:sp>
+      <p:pic>
+        <p:nvPicPr>
+          <p:cNvPr id="7" name="Image 6"/>
+          <p:cNvPicPr>
+            <a:picLocks noChangeAspect="1"/>
+          </p:cNvPicPr>
+          <p:nvPr/>
+        </p:nvPicPr>
+        <p:blipFill>
+          <a:blip r:embed="rId2"/>
+          <a:stretch>
+            <a:fillRect/>
+          </a:stretch>
+        </p:blipFill>
+        <p:spPr>
+          <a:xfrm>
+            <a:off x="7182069" y="807397"/>
+            <a:ext cx="4742241" cy="4856512"/>
+          </a:xfrm>
+          <a:prstGeom prst="rect">
+            <a:avLst/>
+          </a:prstGeom>
+        </p:spPr>
+      </p:pic>
+      <p:pic>
+        <p:nvPicPr>
+          <p:cNvPr id="9" name="Image 8"/>
+          <p:cNvPicPr>
+            <a:picLocks noChangeAspect="1"/>
+          </p:cNvPicPr>
+          <p:nvPr/>
+        </p:nvPicPr>
+        <p:blipFill>
+          <a:blip r:embed="rId3"/>
+          <a:stretch>
+            <a:fillRect/>
+          </a:stretch>
+        </p:blipFill>
+        <p:spPr>
+          <a:xfrm>
+            <a:off x="51264" y="1905554"/>
+            <a:ext cx="6860798" cy="2660198"/>
+          </a:xfrm>
+          <a:prstGeom prst="rect">
+            <a:avLst/>
+          </a:prstGeom>
+        </p:spPr>
+      </p:pic>
+    </p:spTree>
+    <p:extLst>
+      <p:ext uri="{BB962C8B-B14F-4D97-AF65-F5344CB8AC3E}">
+        <p14:creationId xmlns:p14="http://schemas.microsoft.com/office/powerpoint/2010/main" val="1048807597"/>
       </p:ext>
     </p:extLst>
   </p:cSld>
@@ -4176,11 +4371,7 @@
           <a:p>
             <a:r>
               <a:rPr lang="fr-FR" sz="3600" dirty="0" smtClean="0"/>
-              <a:t>Connexion au </a:t>
-            </a:r>
-            <a:r>
-              <a:rPr lang="fr-FR" sz="3600" dirty="0" smtClean="0"/>
-              <a:t>compte</a:t>
+              <a:t>Connexion au compte</a:t>
             </a:r>
             <a:endParaRPr lang="fr-FR" sz="3600" dirty="0"/>
           </a:p>
@@ -4321,11 +4512,7 @@
           <a:p>
             <a:r>
               <a:rPr lang="fr-FR" sz="3600" dirty="0" smtClean="0"/>
-              <a:t>Connexion au </a:t>
-            </a:r>
-            <a:r>
-              <a:rPr lang="fr-FR" sz="3600" dirty="0" smtClean="0"/>
-              <a:t>compte</a:t>
+              <a:t>Connexion au compte</a:t>
             </a:r>
             <a:endParaRPr lang="fr-FR" sz="3600" dirty="0"/>
           </a:p>

--- a/Conception/INFOFO.pptx
+++ b/Conception/INFOFO.pptx
@@ -4,20 +4,25 @@
   <p:sldMasterIdLst>
     <p:sldMasterId id="2147483648" r:id="rId1"/>
   </p:sldMasterIdLst>
+  <p:notesMasterIdLst>
+    <p:notesMasterId r:id="rId17"/>
+  </p:notesMasterIdLst>
   <p:sldIdLst>
     <p:sldId id="256" r:id="rId2"/>
     <p:sldId id="257" r:id="rId3"/>
-    <p:sldId id="258" r:id="rId4"/>
-    <p:sldId id="259" r:id="rId5"/>
-    <p:sldId id="260" r:id="rId6"/>
-    <p:sldId id="261" r:id="rId7"/>
-    <p:sldId id="262" r:id="rId8"/>
-    <p:sldId id="263" r:id="rId9"/>
-    <p:sldId id="264" r:id="rId10"/>
-    <p:sldId id="265" r:id="rId11"/>
-    <p:sldId id="266" r:id="rId12"/>
-    <p:sldId id="267" r:id="rId13"/>
-    <p:sldId id="268" r:id="rId14"/>
+    <p:sldId id="270" r:id="rId4"/>
+    <p:sldId id="271" r:id="rId5"/>
+    <p:sldId id="258" r:id="rId6"/>
+    <p:sldId id="259" r:id="rId7"/>
+    <p:sldId id="260" r:id="rId8"/>
+    <p:sldId id="262" r:id="rId9"/>
+    <p:sldId id="263" r:id="rId10"/>
+    <p:sldId id="264" r:id="rId11"/>
+    <p:sldId id="265" r:id="rId12"/>
+    <p:sldId id="266" r:id="rId13"/>
+    <p:sldId id="267" r:id="rId14"/>
+    <p:sldId id="268" r:id="rId15"/>
+    <p:sldId id="269" r:id="rId16"/>
   </p:sldIdLst>
   <p:sldSz cx="12192000" cy="6858000"/>
   <p:notesSz cx="6858000" cy="9144000"/>
@@ -124,6 +129,356 @@
 </p:presentation>
 </file>
 
+<file path=ppt/notesMasters/notesMaster1.xml><?xml version="1.0" encoding="utf-8"?>
+<p:notesMaster xmlns:a="http://schemas.openxmlformats.org/drawingml/2006/main" xmlns:r="http://schemas.openxmlformats.org/officeDocument/2006/relationships" xmlns:p="http://schemas.openxmlformats.org/presentationml/2006/main">
+  <p:cSld>
+    <p:bg>
+      <p:bgRef idx="1001">
+        <a:schemeClr val="bg1"/>
+      </p:bgRef>
+    </p:bg>
+    <p:spTree>
+      <p:nvGrpSpPr>
+        <p:cNvPr id="1" name=""/>
+        <p:cNvGrpSpPr/>
+        <p:nvPr/>
+      </p:nvGrpSpPr>
+      <p:grpSpPr>
+        <a:xfrm>
+          <a:off x="0" y="0"/>
+          <a:ext cx="0" cy="0"/>
+          <a:chOff x="0" y="0"/>
+          <a:chExt cx="0" cy="0"/>
+        </a:xfrm>
+      </p:grpSpPr>
+      <p:sp>
+        <p:nvSpPr>
+          <p:cNvPr id="2" name="Espace réservé de l'en-tête 1"/>
+          <p:cNvSpPr>
+            <a:spLocks noGrp="1"/>
+          </p:cNvSpPr>
+          <p:nvPr>
+            <p:ph type="hdr" sz="quarter"/>
+          </p:nvPr>
+        </p:nvSpPr>
+        <p:spPr>
+          <a:xfrm>
+            <a:off x="0" y="0"/>
+            <a:ext cx="2971800" cy="458788"/>
+          </a:xfrm>
+          <a:prstGeom prst="rect">
+            <a:avLst/>
+          </a:prstGeom>
+        </p:spPr>
+        <p:txBody>
+          <a:bodyPr vert="horz" lIns="91440" tIns="45720" rIns="91440" bIns="45720" rtlCol="0"/>
+          <a:lstStyle>
+            <a:lvl1pPr algn="l">
+              <a:defRPr sz="1200"/>
+            </a:lvl1pPr>
+          </a:lstStyle>
+          <a:p>
+            <a:endParaRPr lang="fr-FR"/>
+          </a:p>
+        </p:txBody>
+      </p:sp>
+      <p:sp>
+        <p:nvSpPr>
+          <p:cNvPr id="3" name="Espace réservé de la date 2"/>
+          <p:cNvSpPr>
+            <a:spLocks noGrp="1"/>
+          </p:cNvSpPr>
+          <p:nvPr>
+            <p:ph type="dt" idx="1"/>
+          </p:nvPr>
+        </p:nvSpPr>
+        <p:spPr>
+          <a:xfrm>
+            <a:off x="3884613" y="0"/>
+            <a:ext cx="2971800" cy="458788"/>
+          </a:xfrm>
+          <a:prstGeom prst="rect">
+            <a:avLst/>
+          </a:prstGeom>
+        </p:spPr>
+        <p:txBody>
+          <a:bodyPr vert="horz" lIns="91440" tIns="45720" rIns="91440" bIns="45720" rtlCol="0"/>
+          <a:lstStyle>
+            <a:lvl1pPr algn="r">
+              <a:defRPr sz="1200"/>
+            </a:lvl1pPr>
+          </a:lstStyle>
+          <a:p>
+            <a:fld id="{18DEE635-1CF1-4E65-B212-37CA80E269DF}" type="datetimeFigureOut">
+              <a:rPr lang="fr-FR" smtClean="0"/>
+              <a:t>08/02/2022</a:t>
+            </a:fld>
+            <a:endParaRPr lang="fr-FR"/>
+          </a:p>
+        </p:txBody>
+      </p:sp>
+      <p:sp>
+        <p:nvSpPr>
+          <p:cNvPr id="4" name="Espace réservé de l'image des diapositives 3"/>
+          <p:cNvSpPr>
+            <a:spLocks noGrp="1" noRot="1" noChangeAspect="1"/>
+          </p:cNvSpPr>
+          <p:nvPr>
+            <p:ph type="sldImg" idx="2"/>
+          </p:nvPr>
+        </p:nvSpPr>
+        <p:spPr>
+          <a:xfrm>
+            <a:off x="685800" y="1143000"/>
+            <a:ext cx="5486400" cy="3086100"/>
+          </a:xfrm>
+          <a:prstGeom prst="rect">
+            <a:avLst/>
+          </a:prstGeom>
+          <a:noFill/>
+          <a:ln w="12700">
+            <a:solidFill>
+              <a:prstClr val="black"/>
+            </a:solidFill>
+          </a:ln>
+        </p:spPr>
+        <p:txBody>
+          <a:bodyPr vert="horz" lIns="91440" tIns="45720" rIns="91440" bIns="45720" rtlCol="0" anchor="ctr"/>
+          <a:lstStyle/>
+          <a:p>
+            <a:endParaRPr lang="fr-FR"/>
+          </a:p>
+        </p:txBody>
+      </p:sp>
+      <p:sp>
+        <p:nvSpPr>
+          <p:cNvPr id="5" name="Espace réservé des notes 4"/>
+          <p:cNvSpPr>
+            <a:spLocks noGrp="1"/>
+          </p:cNvSpPr>
+          <p:nvPr>
+            <p:ph type="body" sz="quarter" idx="3"/>
+          </p:nvPr>
+        </p:nvSpPr>
+        <p:spPr>
+          <a:xfrm>
+            <a:off x="685800" y="4400550"/>
+            <a:ext cx="5486400" cy="3600450"/>
+          </a:xfrm>
+          <a:prstGeom prst="rect">
+            <a:avLst/>
+          </a:prstGeom>
+        </p:spPr>
+        <p:txBody>
+          <a:bodyPr vert="horz" lIns="91440" tIns="45720" rIns="91440" bIns="45720" rtlCol="0"/>
+          <a:lstStyle/>
+          <a:p>
+            <a:pPr lvl="0"/>
+            <a:r>
+              <a:rPr lang="fr-FR" smtClean="0"/>
+              <a:t>Modifier les styles du texte du masque</a:t>
+            </a:r>
+          </a:p>
+          <a:p>
+            <a:pPr lvl="1"/>
+            <a:r>
+              <a:rPr lang="fr-FR" smtClean="0"/>
+              <a:t>Deuxième niveau</a:t>
+            </a:r>
+          </a:p>
+          <a:p>
+            <a:pPr lvl="2"/>
+            <a:r>
+              <a:rPr lang="fr-FR" smtClean="0"/>
+              <a:t>Troisième niveau</a:t>
+            </a:r>
+          </a:p>
+          <a:p>
+            <a:pPr lvl="3"/>
+            <a:r>
+              <a:rPr lang="fr-FR" smtClean="0"/>
+              <a:t>Quatrième niveau</a:t>
+            </a:r>
+          </a:p>
+          <a:p>
+            <a:pPr lvl="4"/>
+            <a:r>
+              <a:rPr lang="fr-FR" smtClean="0"/>
+              <a:t>Cinquième niveau</a:t>
+            </a:r>
+            <a:endParaRPr lang="fr-FR"/>
+          </a:p>
+        </p:txBody>
+      </p:sp>
+      <p:sp>
+        <p:nvSpPr>
+          <p:cNvPr id="6" name="Espace réservé du pied de page 5"/>
+          <p:cNvSpPr>
+            <a:spLocks noGrp="1"/>
+          </p:cNvSpPr>
+          <p:nvPr>
+            <p:ph type="ftr" sz="quarter" idx="4"/>
+          </p:nvPr>
+        </p:nvSpPr>
+        <p:spPr>
+          <a:xfrm>
+            <a:off x="0" y="8685213"/>
+            <a:ext cx="2971800" cy="458787"/>
+          </a:xfrm>
+          <a:prstGeom prst="rect">
+            <a:avLst/>
+          </a:prstGeom>
+        </p:spPr>
+        <p:txBody>
+          <a:bodyPr vert="horz" lIns="91440" tIns="45720" rIns="91440" bIns="45720" rtlCol="0" anchor="b"/>
+          <a:lstStyle>
+            <a:lvl1pPr algn="l">
+              <a:defRPr sz="1200"/>
+            </a:lvl1pPr>
+          </a:lstStyle>
+          <a:p>
+            <a:endParaRPr lang="fr-FR"/>
+          </a:p>
+        </p:txBody>
+      </p:sp>
+      <p:sp>
+        <p:nvSpPr>
+          <p:cNvPr id="7" name="Espace réservé du numéro de diapositive 6"/>
+          <p:cNvSpPr>
+            <a:spLocks noGrp="1"/>
+          </p:cNvSpPr>
+          <p:nvPr>
+            <p:ph type="sldNum" sz="quarter" idx="5"/>
+          </p:nvPr>
+        </p:nvSpPr>
+        <p:spPr>
+          <a:xfrm>
+            <a:off x="3884613" y="8685213"/>
+            <a:ext cx="2971800" cy="458787"/>
+          </a:xfrm>
+          <a:prstGeom prst="rect">
+            <a:avLst/>
+          </a:prstGeom>
+        </p:spPr>
+        <p:txBody>
+          <a:bodyPr vert="horz" lIns="91440" tIns="45720" rIns="91440" bIns="45720" rtlCol="0" anchor="b"/>
+          <a:lstStyle>
+            <a:lvl1pPr algn="r">
+              <a:defRPr sz="1200"/>
+            </a:lvl1pPr>
+          </a:lstStyle>
+          <a:p>
+            <a:fld id="{79E24235-022B-470E-8C40-0B3AEB336CA2}" type="slidenum">
+              <a:rPr lang="fr-FR" smtClean="0"/>
+              <a:t>‹N°›</a:t>
+            </a:fld>
+            <a:endParaRPr lang="fr-FR"/>
+          </a:p>
+        </p:txBody>
+      </p:sp>
+    </p:spTree>
+    <p:extLst>
+      <p:ext uri="{BB962C8B-B14F-4D97-AF65-F5344CB8AC3E}">
+        <p14:creationId xmlns:p14="http://schemas.microsoft.com/office/powerpoint/2010/main" val="1199003399"/>
+      </p:ext>
+    </p:extLst>
+  </p:cSld>
+  <p:clrMap bg1="lt1" tx1="dk1" bg2="lt2" tx2="dk2" accent1="accent1" accent2="accent2" accent3="accent3" accent4="accent4" accent5="accent5" accent6="accent6" hlink="hlink" folHlink="folHlink"/>
+  <p:notesStyle>
+    <a:lvl1pPr marL="0" algn="l" defTabSz="914400" rtl="0" eaLnBrk="1" latinLnBrk="0" hangingPunct="1">
+      <a:defRPr sz="1200" kern="1200">
+        <a:solidFill>
+          <a:schemeClr val="tx1"/>
+        </a:solidFill>
+        <a:latin typeface="+mn-lt"/>
+        <a:ea typeface="+mn-ea"/>
+        <a:cs typeface="+mn-cs"/>
+      </a:defRPr>
+    </a:lvl1pPr>
+    <a:lvl2pPr marL="457200" algn="l" defTabSz="914400" rtl="0" eaLnBrk="1" latinLnBrk="0" hangingPunct="1">
+      <a:defRPr sz="1200" kern="1200">
+        <a:solidFill>
+          <a:schemeClr val="tx1"/>
+        </a:solidFill>
+        <a:latin typeface="+mn-lt"/>
+        <a:ea typeface="+mn-ea"/>
+        <a:cs typeface="+mn-cs"/>
+      </a:defRPr>
+    </a:lvl2pPr>
+    <a:lvl3pPr marL="914400" algn="l" defTabSz="914400" rtl="0" eaLnBrk="1" latinLnBrk="0" hangingPunct="1">
+      <a:defRPr sz="1200" kern="1200">
+        <a:solidFill>
+          <a:schemeClr val="tx1"/>
+        </a:solidFill>
+        <a:latin typeface="+mn-lt"/>
+        <a:ea typeface="+mn-ea"/>
+        <a:cs typeface="+mn-cs"/>
+      </a:defRPr>
+    </a:lvl3pPr>
+    <a:lvl4pPr marL="1371600" algn="l" defTabSz="914400" rtl="0" eaLnBrk="1" latinLnBrk="0" hangingPunct="1">
+      <a:defRPr sz="1200" kern="1200">
+        <a:solidFill>
+          <a:schemeClr val="tx1"/>
+        </a:solidFill>
+        <a:latin typeface="+mn-lt"/>
+        <a:ea typeface="+mn-ea"/>
+        <a:cs typeface="+mn-cs"/>
+      </a:defRPr>
+    </a:lvl4pPr>
+    <a:lvl5pPr marL="1828800" algn="l" defTabSz="914400" rtl="0" eaLnBrk="1" latinLnBrk="0" hangingPunct="1">
+      <a:defRPr sz="1200" kern="1200">
+        <a:solidFill>
+          <a:schemeClr val="tx1"/>
+        </a:solidFill>
+        <a:latin typeface="+mn-lt"/>
+        <a:ea typeface="+mn-ea"/>
+        <a:cs typeface="+mn-cs"/>
+      </a:defRPr>
+    </a:lvl5pPr>
+    <a:lvl6pPr marL="2286000" algn="l" defTabSz="914400" rtl="0" eaLnBrk="1" latinLnBrk="0" hangingPunct="1">
+      <a:defRPr sz="1200" kern="1200">
+        <a:solidFill>
+          <a:schemeClr val="tx1"/>
+        </a:solidFill>
+        <a:latin typeface="+mn-lt"/>
+        <a:ea typeface="+mn-ea"/>
+        <a:cs typeface="+mn-cs"/>
+      </a:defRPr>
+    </a:lvl6pPr>
+    <a:lvl7pPr marL="2743200" algn="l" defTabSz="914400" rtl="0" eaLnBrk="1" latinLnBrk="0" hangingPunct="1">
+      <a:defRPr sz="1200" kern="1200">
+        <a:solidFill>
+          <a:schemeClr val="tx1"/>
+        </a:solidFill>
+        <a:latin typeface="+mn-lt"/>
+        <a:ea typeface="+mn-ea"/>
+        <a:cs typeface="+mn-cs"/>
+      </a:defRPr>
+    </a:lvl7pPr>
+    <a:lvl8pPr marL="3200400" algn="l" defTabSz="914400" rtl="0" eaLnBrk="1" latinLnBrk="0" hangingPunct="1">
+      <a:defRPr sz="1200" kern="1200">
+        <a:solidFill>
+          <a:schemeClr val="tx1"/>
+        </a:solidFill>
+        <a:latin typeface="+mn-lt"/>
+        <a:ea typeface="+mn-ea"/>
+        <a:cs typeface="+mn-cs"/>
+      </a:defRPr>
+    </a:lvl8pPr>
+    <a:lvl9pPr marL="3657600" algn="l" defTabSz="914400" rtl="0" eaLnBrk="1" latinLnBrk="0" hangingPunct="1">
+      <a:defRPr sz="1200" kern="1200">
+        <a:solidFill>
+          <a:schemeClr val="tx1"/>
+        </a:solidFill>
+        <a:latin typeface="+mn-lt"/>
+        <a:ea typeface="+mn-ea"/>
+        <a:cs typeface="+mn-cs"/>
+      </a:defRPr>
+    </a:lvl9pPr>
+  </p:notesStyle>
+</p:notesMaster>
+</file>
+
 <file path=ppt/slideLayouts/slideLayout1.xml><?xml version="1.0" encoding="utf-8"?>
 <p:sldLayout xmlns:a="http://schemas.openxmlformats.org/drawingml/2006/main" xmlns:r="http://schemas.openxmlformats.org/officeDocument/2006/relationships" xmlns:p="http://schemas.openxmlformats.org/presentationml/2006/main" type="title" preserve="1">
   <p:cSld name="Diapositive de titre">
@@ -253,9 +608,9 @@
           <a:bodyPr/>
           <a:lstStyle/>
           <a:p>
-            <a:fld id="{2BBDEA29-1E2F-4980-8C20-02B82AEB3637}" type="datetimeFigureOut">
-              <a:rPr lang="fr-FR" smtClean="0"/>
-              <a:t>07/02/2022</a:t>
+            <a:fld id="{9AB2C92F-70B8-4892-8B5C-43F779DF3EC3}" type="datetime1">
+              <a:rPr lang="fr-FR" smtClean="0"/>
+              <a:t>08/02/2022</a:t>
             </a:fld>
             <a:endParaRPr lang="fr-FR"/>
           </a:p>
@@ -423,9 +778,9 @@
           <a:bodyPr/>
           <a:lstStyle/>
           <a:p>
-            <a:fld id="{2BBDEA29-1E2F-4980-8C20-02B82AEB3637}" type="datetimeFigureOut">
-              <a:rPr lang="fr-FR" smtClean="0"/>
-              <a:t>07/02/2022</a:t>
+            <a:fld id="{7347514E-856A-4B26-A36D-5D3997A49CC8}" type="datetime1">
+              <a:rPr lang="fr-FR" smtClean="0"/>
+              <a:t>08/02/2022</a:t>
             </a:fld>
             <a:endParaRPr lang="fr-FR"/>
           </a:p>
@@ -603,9 +958,9 @@
           <a:bodyPr/>
           <a:lstStyle/>
           <a:p>
-            <a:fld id="{2BBDEA29-1E2F-4980-8C20-02B82AEB3637}" type="datetimeFigureOut">
-              <a:rPr lang="fr-FR" smtClean="0"/>
-              <a:t>07/02/2022</a:t>
+            <a:fld id="{01EB722F-EC97-49C6-A9F7-F54783941F18}" type="datetime1">
+              <a:rPr lang="fr-FR" smtClean="0"/>
+              <a:t>08/02/2022</a:t>
             </a:fld>
             <a:endParaRPr lang="fr-FR"/>
           </a:p>
@@ -773,9 +1128,9 @@
           <a:bodyPr/>
           <a:lstStyle/>
           <a:p>
-            <a:fld id="{2BBDEA29-1E2F-4980-8C20-02B82AEB3637}" type="datetimeFigureOut">
-              <a:rPr lang="fr-FR" smtClean="0"/>
-              <a:t>07/02/2022</a:t>
+            <a:fld id="{B71DEC26-8F00-433E-B3FF-8F6EA13C5D26}" type="datetime1">
+              <a:rPr lang="fr-FR" smtClean="0"/>
+              <a:t>08/02/2022</a:t>
             </a:fld>
             <a:endParaRPr lang="fr-FR"/>
           </a:p>
@@ -1019,9 +1374,9 @@
           <a:bodyPr/>
           <a:lstStyle/>
           <a:p>
-            <a:fld id="{2BBDEA29-1E2F-4980-8C20-02B82AEB3637}" type="datetimeFigureOut">
-              <a:rPr lang="fr-FR" smtClean="0"/>
-              <a:t>07/02/2022</a:t>
+            <a:fld id="{A12C6904-8239-401D-B35C-0314C8580683}" type="datetime1">
+              <a:rPr lang="fr-FR" smtClean="0"/>
+              <a:t>08/02/2022</a:t>
             </a:fld>
             <a:endParaRPr lang="fr-FR"/>
           </a:p>
@@ -1251,9 +1606,9 @@
           <a:bodyPr/>
           <a:lstStyle/>
           <a:p>
-            <a:fld id="{2BBDEA29-1E2F-4980-8C20-02B82AEB3637}" type="datetimeFigureOut">
-              <a:rPr lang="fr-FR" smtClean="0"/>
-              <a:t>07/02/2022</a:t>
+            <a:fld id="{5BB64EAB-E32D-4B6F-BC4A-118D93EA8B6C}" type="datetime1">
+              <a:rPr lang="fr-FR" smtClean="0"/>
+              <a:t>08/02/2022</a:t>
             </a:fld>
             <a:endParaRPr lang="fr-FR"/>
           </a:p>
@@ -1618,9 +1973,9 @@
           <a:bodyPr/>
           <a:lstStyle/>
           <a:p>
-            <a:fld id="{2BBDEA29-1E2F-4980-8C20-02B82AEB3637}" type="datetimeFigureOut">
-              <a:rPr lang="fr-FR" smtClean="0"/>
-              <a:t>07/02/2022</a:t>
+            <a:fld id="{189540B9-5F63-4ED8-81FF-FCCAF934ED32}" type="datetime1">
+              <a:rPr lang="fr-FR" smtClean="0"/>
+              <a:t>08/02/2022</a:t>
             </a:fld>
             <a:endParaRPr lang="fr-FR"/>
           </a:p>
@@ -1736,9 +2091,9 @@
           <a:bodyPr/>
           <a:lstStyle/>
           <a:p>
-            <a:fld id="{2BBDEA29-1E2F-4980-8C20-02B82AEB3637}" type="datetimeFigureOut">
-              <a:rPr lang="fr-FR" smtClean="0"/>
-              <a:t>07/02/2022</a:t>
+            <a:fld id="{F5869189-4867-48A5-8C71-D579B051E4E6}" type="datetime1">
+              <a:rPr lang="fr-FR" smtClean="0"/>
+              <a:t>08/02/2022</a:t>
             </a:fld>
             <a:endParaRPr lang="fr-FR"/>
           </a:p>
@@ -1831,9 +2186,9 @@
           <a:bodyPr/>
           <a:lstStyle/>
           <a:p>
-            <a:fld id="{2BBDEA29-1E2F-4980-8C20-02B82AEB3637}" type="datetimeFigureOut">
-              <a:rPr lang="fr-FR" smtClean="0"/>
-              <a:t>07/02/2022</a:t>
+            <a:fld id="{D178880C-67E0-400C-B279-48F4D0FD8311}" type="datetime1">
+              <a:rPr lang="fr-FR" smtClean="0"/>
+              <a:t>08/02/2022</a:t>
             </a:fld>
             <a:endParaRPr lang="fr-FR"/>
           </a:p>
@@ -2108,9 +2463,9 @@
           <a:bodyPr/>
           <a:lstStyle/>
           <a:p>
-            <a:fld id="{2BBDEA29-1E2F-4980-8C20-02B82AEB3637}" type="datetimeFigureOut">
-              <a:rPr lang="fr-FR" smtClean="0"/>
-              <a:t>07/02/2022</a:t>
+            <a:fld id="{B5C474A3-5BEB-4614-88D2-CD020FEAD23A}" type="datetime1">
+              <a:rPr lang="fr-FR" smtClean="0"/>
+              <a:t>08/02/2022</a:t>
             </a:fld>
             <a:endParaRPr lang="fr-FR"/>
           </a:p>
@@ -2361,9 +2716,9 @@
           <a:bodyPr/>
           <a:lstStyle/>
           <a:p>
-            <a:fld id="{2BBDEA29-1E2F-4980-8C20-02B82AEB3637}" type="datetimeFigureOut">
-              <a:rPr lang="fr-FR" smtClean="0"/>
-              <a:t>07/02/2022</a:t>
+            <a:fld id="{7C9A63EC-D5CF-4ECE-A490-31847D92E276}" type="datetime1">
+              <a:rPr lang="fr-FR" smtClean="0"/>
+              <a:t>08/02/2022</a:t>
             </a:fld>
             <a:endParaRPr lang="fr-FR"/>
           </a:p>
@@ -2574,9 +2929,9 @@
             </a:lvl1pPr>
           </a:lstStyle>
           <a:p>
-            <a:fld id="{2BBDEA29-1E2F-4980-8C20-02B82AEB3637}" type="datetimeFigureOut">
-              <a:rPr lang="fr-FR" smtClean="0"/>
-              <a:t>07/02/2022</a:t>
+            <a:fld id="{996D15BC-D319-409F-A262-D8E5E4A1E4C0}" type="datetime1">
+              <a:rPr lang="fr-FR" smtClean="0"/>
+              <a:t>08/02/2022</a:t>
             </a:fld>
             <a:endParaRPr lang="fr-FR"/>
           </a:p>
@@ -2681,6 +3036,7 @@
     <p:sldLayoutId id="2147483658" r:id="rId10"/>
     <p:sldLayoutId id="2147483659" r:id="rId11"/>
   </p:sldLayoutIdLst>
+  <p:hf hdr="0" ftr="0" dt="0"/>
   <p:txStyles>
     <p:titleStyle>
       <a:lvl1pPr algn="l" defTabSz="914400" rtl="0" eaLnBrk="1" latinLnBrk="0" hangingPunct="1">
@@ -3080,6 +3436,29 @@
           </a:p>
         </p:txBody>
       </p:sp>
+      <p:sp>
+        <p:nvSpPr>
+          <p:cNvPr id="4" name="Espace réservé du numéro de diapositive 3"/>
+          <p:cNvSpPr>
+            <a:spLocks noGrp="1"/>
+          </p:cNvSpPr>
+          <p:nvPr>
+            <p:ph type="sldNum" sz="quarter" idx="12"/>
+          </p:nvPr>
+        </p:nvSpPr>
+        <p:spPr/>
+        <p:txBody>
+          <a:bodyPr/>
+          <a:lstStyle/>
+          <a:p>
+            <a:fld id="{944EC704-34F6-42CE-B313-9D0297A3F889}" type="slidenum">
+              <a:rPr lang="fr-FR" smtClean="0"/>
+              <a:t>1</a:t>
+            </a:fld>
+            <a:endParaRPr lang="fr-FR"/>
+          </a:p>
+        </p:txBody>
+      </p:sp>
     </p:spTree>
     <p:extLst>
       <p:ext uri="{BB962C8B-B14F-4D97-AF65-F5344CB8AC3E}">
@@ -3174,7 +3553,7 @@
           <a:p>
             <a:r>
               <a:rPr lang="fr-FR" sz="3600" dirty="0" smtClean="0"/>
-              <a:t>Publication de commentaire sur les sujets</a:t>
+              <a:t>Publication de sujet</a:t>
             </a:r>
             <a:endParaRPr lang="fr-FR" sz="3600" dirty="0"/>
           </a:p>
@@ -3182,7 +3561,7 @@
       </p:sp>
       <p:pic>
         <p:nvPicPr>
-          <p:cNvPr id="9" name="Image 8"/>
+          <p:cNvPr id="5" name="Image 4"/>
           <p:cNvPicPr>
             <a:picLocks noChangeAspect="1"/>
           </p:cNvPicPr>
@@ -3196,18 +3575,113 @@
         </p:blipFill>
         <p:spPr>
           <a:xfrm>
-            <a:off x="2296303" y="816334"/>
-            <a:ext cx="6918960" cy="5701377"/>
+            <a:off x="137026" y="3219877"/>
+            <a:ext cx="5983091" cy="1748553"/>
           </a:xfrm>
           <a:prstGeom prst="rect">
             <a:avLst/>
           </a:prstGeom>
         </p:spPr>
       </p:pic>
+      <p:pic>
+        <p:nvPicPr>
+          <p:cNvPr id="7" name="Image 6"/>
+          <p:cNvPicPr>
+            <a:picLocks noChangeAspect="1"/>
+          </p:cNvPicPr>
+          <p:nvPr/>
+        </p:nvPicPr>
+        <p:blipFill>
+          <a:blip r:embed="rId3"/>
+          <a:stretch>
+            <a:fillRect/>
+          </a:stretch>
+        </p:blipFill>
+        <p:spPr>
+          <a:xfrm>
+            <a:off x="137026" y="5128737"/>
+            <a:ext cx="5829578" cy="493272"/>
+          </a:xfrm>
+          <a:prstGeom prst="rect">
+            <a:avLst/>
+          </a:prstGeom>
+        </p:spPr>
+      </p:pic>
+      <p:pic>
+        <p:nvPicPr>
+          <p:cNvPr id="3" name="Image 2"/>
+          <p:cNvPicPr>
+            <a:picLocks noChangeAspect="1"/>
+          </p:cNvPicPr>
+          <p:nvPr/>
+        </p:nvPicPr>
+        <p:blipFill>
+          <a:blip r:embed="rId4"/>
+          <a:stretch>
+            <a:fillRect/>
+          </a:stretch>
+        </p:blipFill>
+        <p:spPr>
+          <a:xfrm>
+            <a:off x="6185967" y="1026331"/>
+            <a:ext cx="5841734" cy="3942099"/>
+          </a:xfrm>
+          <a:prstGeom prst="rect">
+            <a:avLst/>
+          </a:prstGeom>
+        </p:spPr>
+      </p:pic>
+      <p:pic>
+        <p:nvPicPr>
+          <p:cNvPr id="6" name="Image 5"/>
+          <p:cNvPicPr>
+            <a:picLocks noChangeAspect="1"/>
+          </p:cNvPicPr>
+          <p:nvPr/>
+        </p:nvPicPr>
+        <p:blipFill>
+          <a:blip r:embed="rId5"/>
+          <a:stretch>
+            <a:fillRect/>
+          </a:stretch>
+        </p:blipFill>
+        <p:spPr>
+          <a:xfrm>
+            <a:off x="164080" y="1026331"/>
+            <a:ext cx="5956037" cy="2151467"/>
+          </a:xfrm>
+          <a:prstGeom prst="rect">
+            <a:avLst/>
+          </a:prstGeom>
+        </p:spPr>
+      </p:pic>
+      <p:sp>
+        <p:nvSpPr>
+          <p:cNvPr id="4" name="Espace réservé du numéro de diapositive 3"/>
+          <p:cNvSpPr>
+            <a:spLocks noGrp="1"/>
+          </p:cNvSpPr>
+          <p:nvPr>
+            <p:ph type="sldNum" sz="quarter" idx="12"/>
+          </p:nvPr>
+        </p:nvSpPr>
+        <p:spPr/>
+        <p:txBody>
+          <a:bodyPr/>
+          <a:lstStyle/>
+          <a:p>
+            <a:fld id="{944EC704-34F6-42CE-B313-9D0297A3F889}" type="slidenum">
+              <a:rPr lang="fr-FR" smtClean="0"/>
+              <a:t>10</a:t>
+            </a:fld>
+            <a:endParaRPr lang="fr-FR"/>
+          </a:p>
+        </p:txBody>
+      </p:sp>
     </p:spTree>
     <p:extLst>
       <p:ext uri="{BB962C8B-B14F-4D97-AF65-F5344CB8AC3E}">
-        <p14:creationId xmlns:p14="http://schemas.microsoft.com/office/powerpoint/2010/main" val="3902645490"/>
+        <p14:creationId xmlns:p14="http://schemas.microsoft.com/office/powerpoint/2010/main" val="3937831532"/>
       </p:ext>
     </p:extLst>
   </p:cSld>
@@ -3299,7 +3773,7 @@
       </p:sp>
       <p:pic>
         <p:nvPicPr>
-          <p:cNvPr id="4" name="Image 3"/>
+          <p:cNvPr id="9" name="Image 8"/>
           <p:cNvPicPr>
             <a:picLocks noChangeAspect="1"/>
           </p:cNvPicPr>
@@ -3313,66 +3787,41 @@
         </p:blipFill>
         <p:spPr>
           <a:xfrm>
-            <a:off x="6258684" y="1032107"/>
-            <a:ext cx="5639188" cy="3163620"/>
+            <a:off x="2296303" y="816334"/>
+            <a:ext cx="6918960" cy="5701377"/>
           </a:xfrm>
           <a:prstGeom prst="rect">
             <a:avLst/>
           </a:prstGeom>
         </p:spPr>
       </p:pic>
-      <p:pic>
-        <p:nvPicPr>
-          <p:cNvPr id="6" name="Image 5"/>
-          <p:cNvPicPr>
-            <a:picLocks noChangeAspect="1"/>
-          </p:cNvPicPr>
-          <p:nvPr/>
-        </p:nvPicPr>
-        <p:blipFill>
-          <a:blip r:embed="rId3"/>
-          <a:stretch>
-            <a:fillRect/>
-          </a:stretch>
-        </p:blipFill>
-        <p:spPr>
-          <a:xfrm>
-            <a:off x="117359" y="3272241"/>
-            <a:ext cx="6003114" cy="1043164"/>
-          </a:xfrm>
-          <a:prstGeom prst="rect">
-            <a:avLst/>
-          </a:prstGeom>
-        </p:spPr>
-      </p:pic>
-      <p:pic>
-        <p:nvPicPr>
-          <p:cNvPr id="8" name="Image 7"/>
-          <p:cNvPicPr>
-            <a:picLocks noChangeAspect="1"/>
-          </p:cNvPicPr>
-          <p:nvPr/>
-        </p:nvPicPr>
-        <p:blipFill>
-          <a:blip r:embed="rId4"/>
-          <a:stretch>
-            <a:fillRect/>
-          </a:stretch>
-        </p:blipFill>
-        <p:spPr>
-          <a:xfrm>
-            <a:off x="117359" y="1032107"/>
-            <a:ext cx="6056718" cy="2115859"/>
-          </a:xfrm>
-          <a:prstGeom prst="rect">
-            <a:avLst/>
-          </a:prstGeom>
-        </p:spPr>
-      </p:pic>
+      <p:sp>
+        <p:nvSpPr>
+          <p:cNvPr id="3" name="Espace réservé du numéro de diapositive 2"/>
+          <p:cNvSpPr>
+            <a:spLocks noGrp="1"/>
+          </p:cNvSpPr>
+          <p:nvPr>
+            <p:ph type="sldNum" sz="quarter" idx="12"/>
+          </p:nvPr>
+        </p:nvSpPr>
+        <p:spPr/>
+        <p:txBody>
+          <a:bodyPr/>
+          <a:lstStyle/>
+          <a:p>
+            <a:fld id="{944EC704-34F6-42CE-B313-9D0297A3F889}" type="slidenum">
+              <a:rPr lang="fr-FR" smtClean="0"/>
+              <a:t>11</a:t>
+            </a:fld>
+            <a:endParaRPr lang="fr-FR"/>
+          </a:p>
+        </p:txBody>
+      </p:sp>
     </p:spTree>
     <p:extLst>
       <p:ext uri="{BB962C8B-B14F-4D97-AF65-F5344CB8AC3E}">
-        <p14:creationId xmlns:p14="http://schemas.microsoft.com/office/powerpoint/2010/main" val="2027379240"/>
+        <p14:creationId xmlns:p14="http://schemas.microsoft.com/office/powerpoint/2010/main" val="3902645490"/>
       </p:ext>
     </p:extLst>
   </p:cSld>
@@ -3456,7 +3905,7 @@
           <a:p>
             <a:r>
               <a:rPr lang="fr-FR" sz="3600" dirty="0" smtClean="0"/>
-              <a:t>Modification du compte</a:t>
+              <a:t>Publication de commentaire sur les sujets</a:t>
             </a:r>
             <a:endParaRPr lang="fr-FR" sz="3600" dirty="0"/>
           </a:p>
@@ -3464,7 +3913,7 @@
       </p:sp>
       <p:pic>
         <p:nvPicPr>
-          <p:cNvPr id="3" name="Image 2"/>
+          <p:cNvPr id="4" name="Image 3"/>
           <p:cNvPicPr>
             <a:picLocks noChangeAspect="1"/>
           </p:cNvPicPr>
@@ -3478,8 +3927,8 @@
         </p:blipFill>
         <p:spPr>
           <a:xfrm>
-            <a:off x="441914" y="2077625"/>
-            <a:ext cx="4979966" cy="2788080"/>
+            <a:off x="6258684" y="1032107"/>
+            <a:ext cx="5639188" cy="3163620"/>
           </a:xfrm>
           <a:prstGeom prst="rect">
             <a:avLst/>
@@ -3488,7 +3937,7 @@
       </p:pic>
       <p:pic>
         <p:nvPicPr>
-          <p:cNvPr id="4" name="Image 3"/>
+          <p:cNvPr id="6" name="Image 5"/>
           <p:cNvPicPr>
             <a:picLocks noChangeAspect="1"/>
           </p:cNvPicPr>
@@ -3502,18 +3951,65 @@
         </p:blipFill>
         <p:spPr>
           <a:xfrm>
-            <a:off x="5648450" y="1704444"/>
-            <a:ext cx="5532168" cy="3534441"/>
+            <a:off x="117359" y="3272241"/>
+            <a:ext cx="6003114" cy="1043164"/>
           </a:xfrm>
           <a:prstGeom prst="rect">
             <a:avLst/>
           </a:prstGeom>
         </p:spPr>
       </p:pic>
+      <p:pic>
+        <p:nvPicPr>
+          <p:cNvPr id="8" name="Image 7"/>
+          <p:cNvPicPr>
+            <a:picLocks noChangeAspect="1"/>
+          </p:cNvPicPr>
+          <p:nvPr/>
+        </p:nvPicPr>
+        <p:blipFill>
+          <a:blip r:embed="rId4"/>
+          <a:stretch>
+            <a:fillRect/>
+          </a:stretch>
+        </p:blipFill>
+        <p:spPr>
+          <a:xfrm>
+            <a:off x="117359" y="1032107"/>
+            <a:ext cx="6056718" cy="2115859"/>
+          </a:xfrm>
+          <a:prstGeom prst="rect">
+            <a:avLst/>
+          </a:prstGeom>
+        </p:spPr>
+      </p:pic>
+      <p:sp>
+        <p:nvSpPr>
+          <p:cNvPr id="3" name="Espace réservé du numéro de diapositive 2"/>
+          <p:cNvSpPr>
+            <a:spLocks noGrp="1"/>
+          </p:cNvSpPr>
+          <p:nvPr>
+            <p:ph type="sldNum" sz="quarter" idx="12"/>
+          </p:nvPr>
+        </p:nvSpPr>
+        <p:spPr/>
+        <p:txBody>
+          <a:bodyPr/>
+          <a:lstStyle/>
+          <a:p>
+            <a:fld id="{944EC704-34F6-42CE-B313-9D0297A3F889}" type="slidenum">
+              <a:rPr lang="fr-FR" smtClean="0"/>
+              <a:t>12</a:t>
+            </a:fld>
+            <a:endParaRPr lang="fr-FR"/>
+          </a:p>
+        </p:txBody>
+      </p:sp>
     </p:spTree>
     <p:extLst>
       <p:ext uri="{BB962C8B-B14F-4D97-AF65-F5344CB8AC3E}">
-        <p14:creationId xmlns:p14="http://schemas.microsoft.com/office/powerpoint/2010/main" val="6793766"/>
+        <p14:creationId xmlns:p14="http://schemas.microsoft.com/office/powerpoint/2010/main" val="2027379240"/>
       </p:ext>
     </p:extLst>
   </p:cSld>
@@ -3605,6 +4101,170 @@
       </p:sp>
       <p:pic>
         <p:nvPicPr>
+          <p:cNvPr id="3" name="Image 2"/>
+          <p:cNvPicPr>
+            <a:picLocks noChangeAspect="1"/>
+          </p:cNvPicPr>
+          <p:nvPr/>
+        </p:nvPicPr>
+        <p:blipFill>
+          <a:blip r:embed="rId2"/>
+          <a:stretch>
+            <a:fillRect/>
+          </a:stretch>
+        </p:blipFill>
+        <p:spPr>
+          <a:xfrm>
+            <a:off x="441914" y="2077625"/>
+            <a:ext cx="4979966" cy="2788080"/>
+          </a:xfrm>
+          <a:prstGeom prst="rect">
+            <a:avLst/>
+          </a:prstGeom>
+        </p:spPr>
+      </p:pic>
+      <p:pic>
+        <p:nvPicPr>
+          <p:cNvPr id="4" name="Image 3"/>
+          <p:cNvPicPr>
+            <a:picLocks noChangeAspect="1"/>
+          </p:cNvPicPr>
+          <p:nvPr/>
+        </p:nvPicPr>
+        <p:blipFill>
+          <a:blip r:embed="rId3"/>
+          <a:stretch>
+            <a:fillRect/>
+          </a:stretch>
+        </p:blipFill>
+        <p:spPr>
+          <a:xfrm>
+            <a:off x="5648450" y="1704444"/>
+            <a:ext cx="5532168" cy="3534441"/>
+          </a:xfrm>
+          <a:prstGeom prst="rect">
+            <a:avLst/>
+          </a:prstGeom>
+        </p:spPr>
+      </p:pic>
+      <p:sp>
+        <p:nvSpPr>
+          <p:cNvPr id="5" name="Espace réservé du numéro de diapositive 4"/>
+          <p:cNvSpPr>
+            <a:spLocks noGrp="1"/>
+          </p:cNvSpPr>
+          <p:nvPr>
+            <p:ph type="sldNum" sz="quarter" idx="12"/>
+          </p:nvPr>
+        </p:nvSpPr>
+        <p:spPr/>
+        <p:txBody>
+          <a:bodyPr/>
+          <a:lstStyle/>
+          <a:p>
+            <a:fld id="{944EC704-34F6-42CE-B313-9D0297A3F889}" type="slidenum">
+              <a:rPr lang="fr-FR" smtClean="0"/>
+              <a:t>13</a:t>
+            </a:fld>
+            <a:endParaRPr lang="fr-FR"/>
+          </a:p>
+        </p:txBody>
+      </p:sp>
+    </p:spTree>
+    <p:extLst>
+      <p:ext uri="{BB962C8B-B14F-4D97-AF65-F5344CB8AC3E}">
+        <p14:creationId xmlns:p14="http://schemas.microsoft.com/office/powerpoint/2010/main" val="6793766"/>
+      </p:ext>
+    </p:extLst>
+  </p:cSld>
+  <p:clrMapOvr>
+    <a:masterClrMapping/>
+  </p:clrMapOvr>
+</p:sld>
+</file>
+
+<file path=ppt/slides/slide14.xml><?xml version="1.0" encoding="utf-8"?>
+<p:sld xmlns:a="http://schemas.openxmlformats.org/drawingml/2006/main" xmlns:r="http://schemas.openxmlformats.org/officeDocument/2006/relationships" xmlns:p="http://schemas.openxmlformats.org/presentationml/2006/main">
+  <p:cSld>
+    <p:bg>
+      <p:bgPr>
+        <a:gradFill>
+          <a:gsLst>
+            <a:gs pos="0">
+              <a:schemeClr val="accent1">
+                <a:lumMod val="5000"/>
+                <a:lumOff val="95000"/>
+              </a:schemeClr>
+            </a:gs>
+            <a:gs pos="32000">
+              <a:schemeClr val="accent1">
+                <a:lumMod val="75000"/>
+              </a:schemeClr>
+            </a:gs>
+            <a:gs pos="69000">
+              <a:schemeClr val="accent1">
+                <a:lumMod val="60000"/>
+                <a:lumOff val="40000"/>
+              </a:schemeClr>
+            </a:gs>
+            <a:gs pos="100000">
+              <a:schemeClr val="accent1">
+                <a:lumMod val="30000"/>
+                <a:lumOff val="70000"/>
+              </a:schemeClr>
+            </a:gs>
+          </a:gsLst>
+          <a:lin ang="5400000" scaled="1"/>
+        </a:gradFill>
+        <a:effectLst/>
+      </p:bgPr>
+    </p:bg>
+    <p:spTree>
+      <p:nvGrpSpPr>
+        <p:cNvPr id="1" name=""/>
+        <p:cNvGrpSpPr/>
+        <p:nvPr/>
+      </p:nvGrpSpPr>
+      <p:grpSpPr>
+        <a:xfrm>
+          <a:off x="0" y="0"/>
+          <a:ext cx="0" cy="0"/>
+          <a:chOff x="0" y="0"/>
+          <a:chExt cx="0" cy="0"/>
+        </a:xfrm>
+      </p:grpSpPr>
+      <p:sp>
+        <p:nvSpPr>
+          <p:cNvPr id="2" name="Titre 1"/>
+          <p:cNvSpPr>
+            <a:spLocks noGrp="1"/>
+          </p:cNvSpPr>
+          <p:nvPr>
+            <p:ph type="title"/>
+          </p:nvPr>
+        </p:nvSpPr>
+        <p:spPr>
+          <a:xfrm>
+            <a:off x="164080" y="-202204"/>
+            <a:ext cx="10515600" cy="1325563"/>
+          </a:xfrm>
+        </p:spPr>
+        <p:txBody>
+          <a:bodyPr>
+            <a:normAutofit/>
+          </a:bodyPr>
+          <a:lstStyle/>
+          <a:p>
+            <a:r>
+              <a:rPr lang="fr-FR" sz="3600" dirty="0" smtClean="0"/>
+              <a:t>Modification du compte</a:t>
+            </a:r>
+            <a:endParaRPr lang="fr-FR" sz="3600" dirty="0"/>
+          </a:p>
+        </p:txBody>
+      </p:sp>
+      <p:pic>
+        <p:nvPicPr>
           <p:cNvPr id="7" name="Image 6"/>
           <p:cNvPicPr>
             <a:picLocks noChangeAspect="1"/>
@@ -3651,10 +4311,285 @@
           </a:prstGeom>
         </p:spPr>
       </p:pic>
+      <p:sp>
+        <p:nvSpPr>
+          <p:cNvPr id="3" name="Espace réservé du numéro de diapositive 2"/>
+          <p:cNvSpPr>
+            <a:spLocks noGrp="1"/>
+          </p:cNvSpPr>
+          <p:nvPr>
+            <p:ph type="sldNum" sz="quarter" idx="12"/>
+          </p:nvPr>
+        </p:nvSpPr>
+        <p:spPr/>
+        <p:txBody>
+          <a:bodyPr/>
+          <a:lstStyle/>
+          <a:p>
+            <a:fld id="{944EC704-34F6-42CE-B313-9D0297A3F889}" type="slidenum">
+              <a:rPr lang="fr-FR" smtClean="0"/>
+              <a:t>14</a:t>
+            </a:fld>
+            <a:endParaRPr lang="fr-FR"/>
+          </a:p>
+        </p:txBody>
+      </p:sp>
     </p:spTree>
     <p:extLst>
       <p:ext uri="{BB962C8B-B14F-4D97-AF65-F5344CB8AC3E}">
         <p14:creationId xmlns:p14="http://schemas.microsoft.com/office/powerpoint/2010/main" val="1048807597"/>
+      </p:ext>
+    </p:extLst>
+  </p:cSld>
+  <p:clrMapOvr>
+    <a:masterClrMapping/>
+  </p:clrMapOvr>
+</p:sld>
+</file>
+
+<file path=ppt/slides/slide15.xml><?xml version="1.0" encoding="utf-8"?>
+<p:sld xmlns:a="http://schemas.openxmlformats.org/drawingml/2006/main" xmlns:r="http://schemas.openxmlformats.org/officeDocument/2006/relationships" xmlns:p="http://schemas.openxmlformats.org/presentationml/2006/main">
+  <p:cSld>
+    <p:bg>
+      <p:bgPr>
+        <a:gradFill>
+          <a:gsLst>
+            <a:gs pos="0">
+              <a:schemeClr val="accent1">
+                <a:lumMod val="5000"/>
+                <a:lumOff val="95000"/>
+              </a:schemeClr>
+            </a:gs>
+            <a:gs pos="32000">
+              <a:schemeClr val="accent1">
+                <a:lumMod val="75000"/>
+              </a:schemeClr>
+            </a:gs>
+            <a:gs pos="69000">
+              <a:schemeClr val="accent1">
+                <a:lumMod val="60000"/>
+                <a:lumOff val="40000"/>
+              </a:schemeClr>
+            </a:gs>
+            <a:gs pos="100000">
+              <a:schemeClr val="accent1">
+                <a:lumMod val="30000"/>
+                <a:lumOff val="70000"/>
+              </a:schemeClr>
+            </a:gs>
+          </a:gsLst>
+          <a:lin ang="5400000" scaled="1"/>
+        </a:gradFill>
+        <a:effectLst/>
+      </p:bgPr>
+    </p:bg>
+    <p:spTree>
+      <p:nvGrpSpPr>
+        <p:cNvPr id="1" name=""/>
+        <p:cNvGrpSpPr/>
+        <p:nvPr/>
+      </p:nvGrpSpPr>
+      <p:grpSpPr>
+        <a:xfrm>
+          <a:off x="0" y="0"/>
+          <a:ext cx="0" cy="0"/>
+          <a:chOff x="0" y="0"/>
+          <a:chExt cx="0" cy="0"/>
+        </a:xfrm>
+      </p:grpSpPr>
+      <p:sp>
+        <p:nvSpPr>
+          <p:cNvPr id="2" name="Titre 1"/>
+          <p:cNvSpPr>
+            <a:spLocks noGrp="1"/>
+          </p:cNvSpPr>
+          <p:nvPr>
+            <p:ph type="title"/>
+          </p:nvPr>
+        </p:nvSpPr>
+        <p:spPr>
+          <a:xfrm>
+            <a:off x="164080" y="-202204"/>
+            <a:ext cx="10515600" cy="1325563"/>
+          </a:xfrm>
+        </p:spPr>
+        <p:txBody>
+          <a:bodyPr>
+            <a:normAutofit/>
+          </a:bodyPr>
+          <a:lstStyle/>
+          <a:p>
+            <a:r>
+              <a:rPr lang="fr-FR" sz="3600" dirty="0" smtClean="0"/>
+              <a:t>suppression</a:t>
+            </a:r>
+            <a:endParaRPr lang="fr-FR" sz="3600" dirty="0"/>
+          </a:p>
+        </p:txBody>
+      </p:sp>
+      <p:sp>
+        <p:nvSpPr>
+          <p:cNvPr id="3" name="Espace réservé du numéro de diapositive 2"/>
+          <p:cNvSpPr>
+            <a:spLocks noGrp="1"/>
+          </p:cNvSpPr>
+          <p:nvPr>
+            <p:ph type="sldNum" sz="quarter" idx="12"/>
+          </p:nvPr>
+        </p:nvSpPr>
+        <p:spPr/>
+        <p:txBody>
+          <a:bodyPr/>
+          <a:lstStyle/>
+          <a:p>
+            <a:pPr marL="0" marR="0" lvl="0" indent="0" algn="r" defTabSz="914400" rtl="0" eaLnBrk="1" fontAlgn="auto" latinLnBrk="0" hangingPunct="1">
+              <a:lnSpc>
+                <a:spcPct val="100000"/>
+              </a:lnSpc>
+              <a:spcBef>
+                <a:spcPts val="0"/>
+              </a:spcBef>
+              <a:spcAft>
+                <a:spcPts val="0"/>
+              </a:spcAft>
+              <a:buClrTx/>
+              <a:buSzTx/>
+              <a:buFontTx/>
+              <a:buNone/>
+              <a:tabLst/>
+              <a:defRPr/>
+            </a:pPr>
+            <a:fld id="{944EC704-34F6-42CE-B313-9D0297A3F889}" type="slidenum">
+              <a:rPr kumimoji="0" lang="fr-FR" sz="1200" b="0" i="0" u="none" strike="noStrike" kern="1200" cap="none" spc="0" normalizeH="0" baseline="0" noProof="0" smtClean="0">
+                <a:ln>
+                  <a:noFill/>
+                </a:ln>
+                <a:solidFill>
+                  <a:prstClr val="black">
+                    <a:tint val="75000"/>
+                  </a:prstClr>
+                </a:solidFill>
+                <a:effectLst/>
+                <a:uLnTx/>
+                <a:uFillTx/>
+                <a:latin typeface="Calibri" panose="020F0502020204030204"/>
+                <a:ea typeface="+mn-ea"/>
+                <a:cs typeface="+mn-cs"/>
+              </a:rPr>
+              <a:pPr marL="0" marR="0" lvl="0" indent="0" algn="r" defTabSz="914400" rtl="0" eaLnBrk="1" fontAlgn="auto" latinLnBrk="0" hangingPunct="1">
+                <a:lnSpc>
+                  <a:spcPct val="100000"/>
+                </a:lnSpc>
+                <a:spcBef>
+                  <a:spcPts val="0"/>
+                </a:spcBef>
+                <a:spcAft>
+                  <a:spcPts val="0"/>
+                </a:spcAft>
+                <a:buClrTx/>
+                <a:buSzTx/>
+                <a:buFontTx/>
+                <a:buNone/>
+                <a:tabLst/>
+                <a:defRPr/>
+              </a:pPr>
+              <a:t>15</a:t>
+            </a:fld>
+            <a:endParaRPr kumimoji="0" lang="fr-FR" sz="1200" b="0" i="0" u="none" strike="noStrike" kern="1200" cap="none" spc="0" normalizeH="0" baseline="0" noProof="0">
+              <a:ln>
+                <a:noFill/>
+              </a:ln>
+              <a:solidFill>
+                <a:prstClr val="black">
+                  <a:tint val="75000"/>
+                </a:prstClr>
+              </a:solidFill>
+              <a:effectLst/>
+              <a:uLnTx/>
+              <a:uFillTx/>
+              <a:latin typeface="Calibri" panose="020F0502020204030204"/>
+              <a:ea typeface="+mn-ea"/>
+              <a:cs typeface="+mn-cs"/>
+            </a:endParaRPr>
+          </a:p>
+        </p:txBody>
+      </p:sp>
+      <p:pic>
+        <p:nvPicPr>
+          <p:cNvPr id="4" name="Image 3"/>
+          <p:cNvPicPr>
+            <a:picLocks noChangeAspect="1"/>
+          </p:cNvPicPr>
+          <p:nvPr/>
+        </p:nvPicPr>
+        <p:blipFill>
+          <a:blip r:embed="rId2"/>
+          <a:stretch>
+            <a:fillRect/>
+          </a:stretch>
+        </p:blipFill>
+        <p:spPr>
+          <a:xfrm>
+            <a:off x="1789824" y="892191"/>
+            <a:ext cx="8037007" cy="2027214"/>
+          </a:xfrm>
+          <a:prstGeom prst="rect">
+            <a:avLst/>
+          </a:prstGeom>
+        </p:spPr>
+      </p:pic>
+      <p:pic>
+        <p:nvPicPr>
+          <p:cNvPr id="5" name="Image 4"/>
+          <p:cNvPicPr>
+            <a:picLocks noChangeAspect="1"/>
+          </p:cNvPicPr>
+          <p:nvPr/>
+        </p:nvPicPr>
+        <p:blipFill>
+          <a:blip r:embed="rId3"/>
+          <a:stretch>
+            <a:fillRect/>
+          </a:stretch>
+        </p:blipFill>
+        <p:spPr>
+          <a:xfrm>
+            <a:off x="356877" y="3318287"/>
+            <a:ext cx="6229350" cy="2038350"/>
+          </a:xfrm>
+          <a:prstGeom prst="rect">
+            <a:avLst/>
+          </a:prstGeom>
+        </p:spPr>
+      </p:pic>
+      <p:pic>
+        <p:nvPicPr>
+          <p:cNvPr id="6" name="Image 5"/>
+          <p:cNvPicPr>
+            <a:picLocks noChangeAspect="1"/>
+          </p:cNvPicPr>
+          <p:nvPr/>
+        </p:nvPicPr>
+        <p:blipFill>
+          <a:blip r:embed="rId4"/>
+          <a:stretch>
+            <a:fillRect/>
+          </a:stretch>
+        </p:blipFill>
+        <p:spPr>
+          <a:xfrm>
+            <a:off x="6891214" y="3032537"/>
+            <a:ext cx="4905375" cy="2609850"/>
+          </a:xfrm>
+          <a:prstGeom prst="rect">
+            <a:avLst/>
+          </a:prstGeom>
+        </p:spPr>
+      </p:pic>
+    </p:spTree>
+    <p:extLst>
+      <p:ext uri="{BB962C8B-B14F-4D97-AF65-F5344CB8AC3E}">
+        <p14:creationId xmlns:p14="http://schemas.microsoft.com/office/powerpoint/2010/main" val="2052933657"/>
       </p:ext>
     </p:extLst>
   </p:cSld>
@@ -3789,6 +4724,29 @@
               <a:t>Suppression de sujet ou de commentaire dont on est l’auteur</a:t>
             </a:r>
             <a:endParaRPr lang="fr-FR" dirty="0"/>
+          </a:p>
+        </p:txBody>
+      </p:sp>
+      <p:sp>
+        <p:nvSpPr>
+          <p:cNvPr id="4" name="Espace réservé du numéro de diapositive 3"/>
+          <p:cNvSpPr>
+            <a:spLocks noGrp="1"/>
+          </p:cNvSpPr>
+          <p:nvPr>
+            <p:ph type="sldNum" sz="quarter" idx="12"/>
+          </p:nvPr>
+        </p:nvSpPr>
+        <p:spPr/>
+        <p:txBody>
+          <a:bodyPr/>
+          <a:lstStyle/>
+          <a:p>
+            <a:fld id="{944EC704-34F6-42CE-B313-9D0297A3F889}" type="slidenum">
+              <a:rPr lang="fr-FR" smtClean="0"/>
+              <a:t>2</a:t>
+            </a:fld>
+            <a:endParaRPr lang="fr-FR"/>
           </a:p>
         </p:txBody>
       </p:sp>
@@ -3864,37 +4822,94 @@
       </p:grpSpPr>
       <p:sp>
         <p:nvSpPr>
-          <p:cNvPr id="2" name="Titre 1"/>
-          <p:cNvSpPr>
-            <a:spLocks noGrp="1"/>
-          </p:cNvSpPr>
-          <p:nvPr>
-            <p:ph type="title"/>
-          </p:nvPr>
-        </p:nvSpPr>
-        <p:spPr>
-          <a:xfrm>
-            <a:off x="164080" y="-202204"/>
-            <a:ext cx="10515600" cy="1325563"/>
-          </a:xfrm>
-        </p:spPr>
-        <p:txBody>
-          <a:bodyPr>
-            <a:normAutofit/>
-          </a:bodyPr>
-          <a:lstStyle/>
-          <a:p>
-            <a:r>
-              <a:rPr lang="fr-FR" sz="3600" dirty="0" smtClean="0"/>
-              <a:t>Création de compte</a:t>
-            </a:r>
-            <a:endParaRPr lang="fr-FR" sz="3600" dirty="0"/>
+          <p:cNvPr id="4" name="Espace réservé du numéro de diapositive 3"/>
+          <p:cNvSpPr>
+            <a:spLocks noGrp="1"/>
+          </p:cNvSpPr>
+          <p:nvPr>
+            <p:ph type="sldNum" sz="quarter" idx="12"/>
+          </p:nvPr>
+        </p:nvSpPr>
+        <p:spPr/>
+        <p:txBody>
+          <a:bodyPr/>
+          <a:lstStyle/>
+          <a:p>
+            <a:pPr marL="0" marR="0" lvl="0" indent="0" algn="r" defTabSz="914400" rtl="0" eaLnBrk="1" fontAlgn="auto" latinLnBrk="0" hangingPunct="1">
+              <a:lnSpc>
+                <a:spcPct val="100000"/>
+              </a:lnSpc>
+              <a:spcBef>
+                <a:spcPts val="0"/>
+              </a:spcBef>
+              <a:spcAft>
+                <a:spcPts val="0"/>
+              </a:spcAft>
+              <a:buClrTx/>
+              <a:buSzTx/>
+              <a:buFontTx/>
+              <a:buNone/>
+              <a:tabLst/>
+              <a:defRPr/>
+            </a:pPr>
+            <a:fld id="{944EC704-34F6-42CE-B313-9D0297A3F889}" type="slidenum">
+              <a:rPr kumimoji="0" lang="fr-FR" sz="1200" b="0" i="0" u="none" strike="noStrike" kern="1200" cap="none" spc="0" normalizeH="0" baseline="0" noProof="0" smtClean="0">
+                <a:ln>
+                  <a:noFill/>
+                </a:ln>
+                <a:solidFill>
+                  <a:prstClr val="black">
+                    <a:tint val="75000"/>
+                  </a:prstClr>
+                </a:solidFill>
+                <a:effectLst/>
+                <a:uLnTx/>
+                <a:uFillTx/>
+                <a:latin typeface="Calibri" panose="020F0502020204030204"/>
+                <a:ea typeface="+mn-ea"/>
+                <a:cs typeface="+mn-cs"/>
+              </a:rPr>
+              <a:pPr marL="0" marR="0" lvl="0" indent="0" algn="r" defTabSz="914400" rtl="0" eaLnBrk="1" fontAlgn="auto" latinLnBrk="0" hangingPunct="1">
+                <a:lnSpc>
+                  <a:spcPct val="100000"/>
+                </a:lnSpc>
+                <a:spcBef>
+                  <a:spcPts val="0"/>
+                </a:spcBef>
+                <a:spcAft>
+                  <a:spcPts val="0"/>
+                </a:spcAft>
+                <a:buClrTx/>
+                <a:buSzTx/>
+                <a:buFontTx/>
+                <a:buNone/>
+                <a:tabLst/>
+                <a:defRPr/>
+              </a:pPr>
+              <a:t>3</a:t>
+            </a:fld>
+            <a:endParaRPr kumimoji="0" lang="fr-FR" sz="1200" b="0" i="0" u="none" strike="noStrike" kern="1200" cap="none" spc="0" normalizeH="0" baseline="0" noProof="0">
+              <a:ln>
+                <a:noFill/>
+              </a:ln>
+              <a:solidFill>
+                <a:prstClr val="black">
+                  <a:tint val="75000"/>
+                </a:prstClr>
+              </a:solidFill>
+              <a:effectLst/>
+              <a:uLnTx/>
+              <a:uFillTx/>
+              <a:latin typeface="Calibri" panose="020F0502020204030204"/>
+              <a:ea typeface="+mn-ea"/>
+              <a:cs typeface="+mn-cs"/>
+            </a:endParaRPr>
           </a:p>
         </p:txBody>
       </p:sp>
       <p:pic>
         <p:nvPicPr>
-          <p:cNvPr id="4" name="Image 3"/>
+          <p:cNvPr id="6" name="Image 5"/>
           <p:cNvPicPr>
             <a:picLocks noChangeAspect="1"/>
           </p:cNvPicPr>
@@ -3908,8 +4923,8 @@
         </p:blipFill>
         <p:spPr>
           <a:xfrm>
-            <a:off x="164080" y="662822"/>
-            <a:ext cx="7510141" cy="6038328"/>
+            <a:off x="2128465" y="131325"/>
+            <a:ext cx="7300541" cy="6590150"/>
           </a:xfrm>
           <a:prstGeom prst="rect">
             <a:avLst/>
@@ -3918,7 +4933,7 @@
       </p:pic>
       <p:pic>
         <p:nvPicPr>
-          <p:cNvPr id="5" name="Image 4"/>
+          <p:cNvPr id="8" name="Image 7"/>
           <p:cNvPicPr>
             <a:picLocks noChangeAspect="1"/>
           </p:cNvPicPr>
@@ -3932,8 +4947,8 @@
         </p:blipFill>
         <p:spPr>
           <a:xfrm>
-            <a:off x="7731703" y="1548473"/>
-            <a:ext cx="4232426" cy="4072491"/>
+            <a:off x="2676525" y="1271587"/>
+            <a:ext cx="6838950" cy="4314825"/>
           </a:xfrm>
           <a:prstGeom prst="rect">
             <a:avLst/>
@@ -3943,7 +4958,7 @@
     </p:spTree>
     <p:extLst>
       <p:ext uri="{BB962C8B-B14F-4D97-AF65-F5344CB8AC3E}">
-        <p14:creationId xmlns:p14="http://schemas.microsoft.com/office/powerpoint/2010/main" val="667704450"/>
+        <p14:creationId xmlns:p14="http://schemas.microsoft.com/office/powerpoint/2010/main" val="3343309031"/>
       </p:ext>
     </p:extLst>
   </p:cSld>
@@ -4012,37 +5027,94 @@
       </p:grpSpPr>
       <p:sp>
         <p:nvSpPr>
-          <p:cNvPr id="2" name="Titre 1"/>
-          <p:cNvSpPr>
-            <a:spLocks noGrp="1"/>
-          </p:cNvSpPr>
-          <p:nvPr>
-            <p:ph type="title"/>
-          </p:nvPr>
-        </p:nvSpPr>
-        <p:spPr>
-          <a:xfrm>
-            <a:off x="164080" y="-202204"/>
-            <a:ext cx="10515600" cy="1325563"/>
-          </a:xfrm>
-        </p:spPr>
-        <p:txBody>
-          <a:bodyPr>
-            <a:normAutofit/>
-          </a:bodyPr>
-          <a:lstStyle/>
-          <a:p>
-            <a:r>
-              <a:rPr lang="fr-FR" sz="3600" dirty="0" smtClean="0"/>
-              <a:t>Création de compte</a:t>
-            </a:r>
-            <a:endParaRPr lang="fr-FR" sz="3600" dirty="0"/>
+          <p:cNvPr id="4" name="Espace réservé du numéro de diapositive 3"/>
+          <p:cNvSpPr>
+            <a:spLocks noGrp="1"/>
+          </p:cNvSpPr>
+          <p:nvPr>
+            <p:ph type="sldNum" sz="quarter" idx="12"/>
+          </p:nvPr>
+        </p:nvSpPr>
+        <p:spPr/>
+        <p:txBody>
+          <a:bodyPr/>
+          <a:lstStyle/>
+          <a:p>
+            <a:pPr marL="0" marR="0" lvl="0" indent="0" algn="r" defTabSz="914400" rtl="0" eaLnBrk="1" fontAlgn="auto" latinLnBrk="0" hangingPunct="1">
+              <a:lnSpc>
+                <a:spcPct val="100000"/>
+              </a:lnSpc>
+              <a:spcBef>
+                <a:spcPts val="0"/>
+              </a:spcBef>
+              <a:spcAft>
+                <a:spcPts val="0"/>
+              </a:spcAft>
+              <a:buClrTx/>
+              <a:buSzTx/>
+              <a:buFontTx/>
+              <a:buNone/>
+              <a:tabLst/>
+              <a:defRPr/>
+            </a:pPr>
+            <a:fld id="{944EC704-34F6-42CE-B313-9D0297A3F889}" type="slidenum">
+              <a:rPr kumimoji="0" lang="fr-FR" sz="1200" b="0" i="0" u="none" strike="noStrike" kern="1200" cap="none" spc="0" normalizeH="0" baseline="0" noProof="0" smtClean="0">
+                <a:ln>
+                  <a:noFill/>
+                </a:ln>
+                <a:solidFill>
+                  <a:prstClr val="black">
+                    <a:tint val="75000"/>
+                  </a:prstClr>
+                </a:solidFill>
+                <a:effectLst/>
+                <a:uLnTx/>
+                <a:uFillTx/>
+                <a:latin typeface="Calibri" panose="020F0502020204030204"/>
+                <a:ea typeface="+mn-ea"/>
+                <a:cs typeface="+mn-cs"/>
+              </a:rPr>
+              <a:pPr marL="0" marR="0" lvl="0" indent="0" algn="r" defTabSz="914400" rtl="0" eaLnBrk="1" fontAlgn="auto" latinLnBrk="0" hangingPunct="1">
+                <a:lnSpc>
+                  <a:spcPct val="100000"/>
+                </a:lnSpc>
+                <a:spcBef>
+                  <a:spcPts val="0"/>
+                </a:spcBef>
+                <a:spcAft>
+                  <a:spcPts val="0"/>
+                </a:spcAft>
+                <a:buClrTx/>
+                <a:buSzTx/>
+                <a:buFontTx/>
+                <a:buNone/>
+                <a:tabLst/>
+                <a:defRPr/>
+              </a:pPr>
+              <a:t>4</a:t>
+            </a:fld>
+            <a:endParaRPr kumimoji="0" lang="fr-FR" sz="1200" b="0" i="0" u="none" strike="noStrike" kern="1200" cap="none" spc="0" normalizeH="0" baseline="0" noProof="0">
+              <a:ln>
+                <a:noFill/>
+              </a:ln>
+              <a:solidFill>
+                <a:prstClr val="black">
+                  <a:tint val="75000"/>
+                </a:prstClr>
+              </a:solidFill>
+              <a:effectLst/>
+              <a:uLnTx/>
+              <a:uFillTx/>
+              <a:latin typeface="Calibri" panose="020F0502020204030204"/>
+              <a:ea typeface="+mn-ea"/>
+              <a:cs typeface="+mn-cs"/>
+            </a:endParaRPr>
           </a:p>
         </p:txBody>
       </p:sp>
       <p:pic>
         <p:nvPicPr>
-          <p:cNvPr id="3" name="Image 2"/>
+          <p:cNvPr id="8" name="Image 7"/>
           <p:cNvPicPr>
             <a:picLocks noChangeAspect="1"/>
           </p:cNvPicPr>
@@ -4056,80 +5128,8 @@
         </p:blipFill>
         <p:spPr>
           <a:xfrm>
-            <a:off x="164080" y="2249465"/>
-            <a:ext cx="5955698" cy="1388112"/>
-          </a:xfrm>
-          <a:prstGeom prst="rect">
-            <a:avLst/>
-          </a:prstGeom>
-        </p:spPr>
-      </p:pic>
-      <p:pic>
-        <p:nvPicPr>
-          <p:cNvPr id="6" name="Image 5"/>
-          <p:cNvPicPr>
-            <a:picLocks noChangeAspect="1"/>
-          </p:cNvPicPr>
-          <p:nvPr/>
-        </p:nvPicPr>
-        <p:blipFill>
-          <a:blip r:embed="rId3"/>
-          <a:stretch>
-            <a:fillRect/>
-          </a:stretch>
-        </p:blipFill>
-        <p:spPr>
-          <a:xfrm>
-            <a:off x="164080" y="3833553"/>
-            <a:ext cx="3827243" cy="874585"/>
-          </a:xfrm>
-          <a:prstGeom prst="rect">
-            <a:avLst/>
-          </a:prstGeom>
-        </p:spPr>
-      </p:pic>
-      <p:pic>
-        <p:nvPicPr>
-          <p:cNvPr id="7" name="Image 6"/>
-          <p:cNvPicPr>
-            <a:picLocks noChangeAspect="1"/>
-          </p:cNvPicPr>
-          <p:nvPr/>
-        </p:nvPicPr>
-        <p:blipFill>
-          <a:blip r:embed="rId4"/>
-          <a:stretch>
-            <a:fillRect/>
-          </a:stretch>
-        </p:blipFill>
-        <p:spPr>
-          <a:xfrm>
-            <a:off x="164080" y="760558"/>
-            <a:ext cx="8648074" cy="1341713"/>
-          </a:xfrm>
-          <a:prstGeom prst="rect">
-            <a:avLst/>
-          </a:prstGeom>
-        </p:spPr>
-      </p:pic>
-      <p:pic>
-        <p:nvPicPr>
-          <p:cNvPr id="8" name="Image 7"/>
-          <p:cNvPicPr>
-            <a:picLocks noChangeAspect="1"/>
-          </p:cNvPicPr>
-          <p:nvPr/>
-        </p:nvPicPr>
-        <p:blipFill>
-          <a:blip r:embed="rId5"/>
-          <a:stretch>
-            <a:fillRect/>
-          </a:stretch>
-        </p:blipFill>
-        <p:spPr>
-          <a:xfrm>
-            <a:off x="6342623" y="2249465"/>
-            <a:ext cx="5299481" cy="4259907"/>
+            <a:off x="2296514" y="1057830"/>
+            <a:ext cx="6838950" cy="4314825"/>
           </a:xfrm>
           <a:prstGeom prst="rect">
             <a:avLst/>
@@ -4139,7 +5139,7 @@
     </p:spTree>
     <p:extLst>
       <p:ext uri="{BB962C8B-B14F-4D97-AF65-F5344CB8AC3E}">
-        <p14:creationId xmlns:p14="http://schemas.microsoft.com/office/powerpoint/2010/main" val="970182741"/>
+        <p14:creationId xmlns:p14="http://schemas.microsoft.com/office/powerpoint/2010/main" val="1596759116"/>
       </p:ext>
     </p:extLst>
   </p:cSld>
@@ -4230,7 +5230,7 @@
           <a:p>
             <a:r>
               <a:rPr lang="fr-FR" sz="3600" dirty="0" smtClean="0"/>
-              <a:t>Connexion au compte</a:t>
+              <a:t>Création de compte</a:t>
             </a:r>
             <a:endParaRPr lang="fr-FR" sz="3600" dirty="0"/>
           </a:p>
@@ -4238,7 +5238,7 @@
       </p:sp>
       <p:pic>
         <p:nvPicPr>
-          <p:cNvPr id="3" name="Image 2"/>
+          <p:cNvPr id="4" name="Image 3"/>
           <p:cNvPicPr>
             <a:picLocks noChangeAspect="1"/>
           </p:cNvPicPr>
@@ -4252,8 +5252,8 @@
         </p:blipFill>
         <p:spPr>
           <a:xfrm>
-            <a:off x="164080" y="1061237"/>
-            <a:ext cx="6516254" cy="4798932"/>
+            <a:off x="164080" y="662822"/>
+            <a:ext cx="7510141" cy="6038328"/>
           </a:xfrm>
           <a:prstGeom prst="rect">
             <a:avLst/>
@@ -4262,7 +5262,7 @@
       </p:pic>
       <p:pic>
         <p:nvPicPr>
-          <p:cNvPr id="6" name="Image 5"/>
+          <p:cNvPr id="5" name="Image 4"/>
           <p:cNvPicPr>
             <a:picLocks noChangeAspect="1"/>
           </p:cNvPicPr>
@@ -4276,24 +5276,54 @@
         </p:blipFill>
         <p:spPr>
           <a:xfrm>
-            <a:off x="6741893" y="1061237"/>
-            <a:ext cx="5272155" cy="3785457"/>
+            <a:off x="7731703" y="1548473"/>
+            <a:ext cx="4232426" cy="4072491"/>
           </a:xfrm>
           <a:prstGeom prst="rect">
             <a:avLst/>
           </a:prstGeom>
         </p:spPr>
       </p:pic>
+      <p:sp>
+        <p:nvSpPr>
+          <p:cNvPr id="3" name="Espace réservé du numéro de diapositive 2"/>
+          <p:cNvSpPr>
+            <a:spLocks noGrp="1"/>
+          </p:cNvSpPr>
+          <p:nvPr>
+            <p:ph type="sldNum" sz="quarter" idx="12"/>
+          </p:nvPr>
+        </p:nvSpPr>
+        <p:spPr/>
+        <p:txBody>
+          <a:bodyPr/>
+          <a:lstStyle/>
+          <a:p>
+            <a:fld id="{944EC704-34F6-42CE-B313-9D0297A3F889}" type="slidenum">
+              <a:rPr lang="fr-FR" smtClean="0"/>
+              <a:t>5</a:t>
+            </a:fld>
+            <a:endParaRPr lang="fr-FR"/>
+          </a:p>
+        </p:txBody>
+      </p:sp>
     </p:spTree>
     <p:extLst>
       <p:ext uri="{BB962C8B-B14F-4D97-AF65-F5344CB8AC3E}">
-        <p14:creationId xmlns:p14="http://schemas.microsoft.com/office/powerpoint/2010/main" val="2002746514"/>
+        <p14:creationId xmlns:p14="http://schemas.microsoft.com/office/powerpoint/2010/main" val="667704450"/>
       </p:ext>
     </p:extLst>
   </p:cSld>
   <p:clrMapOvr>
     <a:masterClrMapping/>
   </p:clrMapOvr>
+  <p:timing>
+    <p:tnLst>
+      <p:par>
+        <p:cTn id="1" dur="indefinite" restart="never" nodeType="tmRoot"/>
+      </p:par>
+    </p:tnLst>
+  </p:timing>
 </p:sld>
 </file>
 
@@ -4371,7 +5401,7 @@
           <a:p>
             <a:r>
               <a:rPr lang="fr-FR" sz="3600" dirty="0" smtClean="0"/>
-              <a:t>Connexion au compte</a:t>
+              <a:t>Création de compte</a:t>
             </a:r>
             <a:endParaRPr lang="fr-FR" sz="3600" dirty="0"/>
           </a:p>
@@ -4379,7 +5409,7 @@
       </p:sp>
       <p:pic>
         <p:nvPicPr>
-          <p:cNvPr id="4" name="Image 3"/>
+          <p:cNvPr id="3" name="Image 2"/>
           <p:cNvPicPr>
             <a:picLocks noChangeAspect="1"/>
           </p:cNvPicPr>
@@ -4393,8 +5423,8 @@
         </p:blipFill>
         <p:spPr>
           <a:xfrm>
-            <a:off x="164080" y="736241"/>
-            <a:ext cx="7398075" cy="5948224"/>
+            <a:off x="164080" y="2249465"/>
+            <a:ext cx="5955698" cy="1388112"/>
           </a:xfrm>
           <a:prstGeom prst="rect">
             <a:avLst/>
@@ -4403,7 +5433,7 @@
       </p:pic>
       <p:pic>
         <p:nvPicPr>
-          <p:cNvPr id="5" name="Image 4"/>
+          <p:cNvPr id="6" name="Image 5"/>
           <p:cNvPicPr>
             <a:picLocks noChangeAspect="1"/>
           </p:cNvPicPr>
@@ -4417,24 +5447,102 @@
         </p:blipFill>
         <p:spPr>
           <a:xfrm>
-            <a:off x="7774633" y="1468379"/>
-            <a:ext cx="4156124" cy="3999072"/>
+            <a:off x="164080" y="3833553"/>
+            <a:ext cx="3827243" cy="874585"/>
           </a:xfrm>
           <a:prstGeom prst="rect">
             <a:avLst/>
           </a:prstGeom>
         </p:spPr>
       </p:pic>
+      <p:pic>
+        <p:nvPicPr>
+          <p:cNvPr id="7" name="Image 6"/>
+          <p:cNvPicPr>
+            <a:picLocks noChangeAspect="1"/>
+          </p:cNvPicPr>
+          <p:nvPr/>
+        </p:nvPicPr>
+        <p:blipFill>
+          <a:blip r:embed="rId4"/>
+          <a:stretch>
+            <a:fillRect/>
+          </a:stretch>
+        </p:blipFill>
+        <p:spPr>
+          <a:xfrm>
+            <a:off x="164080" y="760558"/>
+            <a:ext cx="8648074" cy="1341713"/>
+          </a:xfrm>
+          <a:prstGeom prst="rect">
+            <a:avLst/>
+          </a:prstGeom>
+        </p:spPr>
+      </p:pic>
+      <p:pic>
+        <p:nvPicPr>
+          <p:cNvPr id="8" name="Image 7"/>
+          <p:cNvPicPr>
+            <a:picLocks noChangeAspect="1"/>
+          </p:cNvPicPr>
+          <p:nvPr/>
+        </p:nvPicPr>
+        <p:blipFill>
+          <a:blip r:embed="rId5"/>
+          <a:stretch>
+            <a:fillRect/>
+          </a:stretch>
+        </p:blipFill>
+        <p:spPr>
+          <a:xfrm>
+            <a:off x="6342623" y="2249465"/>
+            <a:ext cx="5299481" cy="4259907"/>
+          </a:xfrm>
+          <a:prstGeom prst="rect">
+            <a:avLst/>
+          </a:prstGeom>
+        </p:spPr>
+      </p:pic>
+      <p:sp>
+        <p:nvSpPr>
+          <p:cNvPr id="4" name="Espace réservé du numéro de diapositive 3"/>
+          <p:cNvSpPr>
+            <a:spLocks noGrp="1"/>
+          </p:cNvSpPr>
+          <p:nvPr>
+            <p:ph type="sldNum" sz="quarter" idx="12"/>
+          </p:nvPr>
+        </p:nvSpPr>
+        <p:spPr/>
+        <p:txBody>
+          <a:bodyPr/>
+          <a:lstStyle/>
+          <a:p>
+            <a:fld id="{944EC704-34F6-42CE-B313-9D0297A3F889}" type="slidenum">
+              <a:rPr lang="fr-FR" smtClean="0"/>
+              <a:t>6</a:t>
+            </a:fld>
+            <a:endParaRPr lang="fr-FR"/>
+          </a:p>
+        </p:txBody>
+      </p:sp>
     </p:spTree>
     <p:extLst>
       <p:ext uri="{BB962C8B-B14F-4D97-AF65-F5344CB8AC3E}">
-        <p14:creationId xmlns:p14="http://schemas.microsoft.com/office/powerpoint/2010/main" val="2291008756"/>
+        <p14:creationId xmlns:p14="http://schemas.microsoft.com/office/powerpoint/2010/main" val="970182741"/>
       </p:ext>
     </p:extLst>
   </p:cSld>
   <p:clrMapOvr>
     <a:masterClrMapping/>
   </p:clrMapOvr>
+  <p:timing>
+    <p:tnLst>
+      <p:par>
+        <p:cTn id="1" dur="indefinite" restart="never" nodeType="tmRoot"/>
+      </p:par>
+    </p:tnLst>
+  </p:timing>
 </p:sld>
 </file>
 
@@ -4534,8 +5642,8 @@
         </p:blipFill>
         <p:spPr>
           <a:xfrm>
-            <a:off x="164080" y="916461"/>
-            <a:ext cx="5542577" cy="1691512"/>
+            <a:off x="164080" y="1061237"/>
+            <a:ext cx="6516254" cy="4798932"/>
           </a:xfrm>
           <a:prstGeom prst="rect">
             <a:avLst/>
@@ -4558,18 +5666,41 @@
         </p:blipFill>
         <p:spPr>
           <a:xfrm>
-            <a:off x="164080" y="2849003"/>
-            <a:ext cx="8132265" cy="2549274"/>
+            <a:off x="6741893" y="1061237"/>
+            <a:ext cx="5272155" cy="3785457"/>
           </a:xfrm>
           <a:prstGeom prst="rect">
             <a:avLst/>
           </a:prstGeom>
         </p:spPr>
       </p:pic>
+      <p:sp>
+        <p:nvSpPr>
+          <p:cNvPr id="4" name="Espace réservé du numéro de diapositive 3"/>
+          <p:cNvSpPr>
+            <a:spLocks noGrp="1"/>
+          </p:cNvSpPr>
+          <p:nvPr>
+            <p:ph type="sldNum" sz="quarter" idx="12"/>
+          </p:nvPr>
+        </p:nvSpPr>
+        <p:spPr/>
+        <p:txBody>
+          <a:bodyPr/>
+          <a:lstStyle/>
+          <a:p>
+            <a:fld id="{944EC704-34F6-42CE-B313-9D0297A3F889}" type="slidenum">
+              <a:rPr lang="fr-FR" smtClean="0"/>
+              <a:t>7</a:t>
+            </a:fld>
+            <a:endParaRPr lang="fr-FR"/>
+          </a:p>
+        </p:txBody>
+      </p:sp>
     </p:spTree>
     <p:extLst>
       <p:ext uri="{BB962C8B-B14F-4D97-AF65-F5344CB8AC3E}">
-        <p14:creationId xmlns:p14="http://schemas.microsoft.com/office/powerpoint/2010/main" val="838431674"/>
+        <p14:creationId xmlns:p14="http://schemas.microsoft.com/office/powerpoint/2010/main" val="2002746514"/>
       </p:ext>
     </p:extLst>
   </p:cSld>
@@ -4653,7 +5784,7 @@
           <a:p>
             <a:r>
               <a:rPr lang="fr-FR" sz="3600" dirty="0" smtClean="0"/>
-              <a:t>Publication de sujet</a:t>
+              <a:t>Connexion au compte</a:t>
             </a:r>
             <a:endParaRPr lang="fr-FR" sz="3600" dirty="0"/>
           </a:p>
@@ -4661,7 +5792,7 @@
       </p:sp>
       <p:pic>
         <p:nvPicPr>
-          <p:cNvPr id="8" name="Image 7"/>
+          <p:cNvPr id="3" name="Image 2"/>
           <p:cNvPicPr>
             <a:picLocks noChangeAspect="1"/>
           </p:cNvPicPr>
@@ -4675,18 +5806,65 @@
         </p:blipFill>
         <p:spPr>
           <a:xfrm>
-            <a:off x="2296303" y="816334"/>
-            <a:ext cx="6918960" cy="5701377"/>
+            <a:off x="164080" y="916461"/>
+            <a:ext cx="5542577" cy="1691512"/>
           </a:xfrm>
           <a:prstGeom prst="rect">
             <a:avLst/>
           </a:prstGeom>
         </p:spPr>
       </p:pic>
+      <p:pic>
+        <p:nvPicPr>
+          <p:cNvPr id="6" name="Image 5"/>
+          <p:cNvPicPr>
+            <a:picLocks noChangeAspect="1"/>
+          </p:cNvPicPr>
+          <p:nvPr/>
+        </p:nvPicPr>
+        <p:blipFill>
+          <a:blip r:embed="rId3"/>
+          <a:stretch>
+            <a:fillRect/>
+          </a:stretch>
+        </p:blipFill>
+        <p:spPr>
+          <a:xfrm>
+            <a:off x="164080" y="2849003"/>
+            <a:ext cx="8132265" cy="2549274"/>
+          </a:xfrm>
+          <a:prstGeom prst="rect">
+            <a:avLst/>
+          </a:prstGeom>
+        </p:spPr>
+      </p:pic>
+      <p:sp>
+        <p:nvSpPr>
+          <p:cNvPr id="4" name="Espace réservé du numéro de diapositive 3"/>
+          <p:cNvSpPr>
+            <a:spLocks noGrp="1"/>
+          </p:cNvSpPr>
+          <p:nvPr>
+            <p:ph type="sldNum" sz="quarter" idx="12"/>
+          </p:nvPr>
+        </p:nvSpPr>
+        <p:spPr/>
+        <p:txBody>
+          <a:bodyPr/>
+          <a:lstStyle/>
+          <a:p>
+            <a:fld id="{944EC704-34F6-42CE-B313-9D0297A3F889}" type="slidenum">
+              <a:rPr lang="fr-FR" smtClean="0"/>
+              <a:t>8</a:t>
+            </a:fld>
+            <a:endParaRPr lang="fr-FR"/>
+          </a:p>
+        </p:txBody>
+      </p:sp>
     </p:spTree>
     <p:extLst>
       <p:ext uri="{BB962C8B-B14F-4D97-AF65-F5344CB8AC3E}">
-        <p14:creationId xmlns:p14="http://schemas.microsoft.com/office/powerpoint/2010/main" val="2669685429"/>
+        <p14:creationId xmlns:p14="http://schemas.microsoft.com/office/powerpoint/2010/main" val="838431674"/>
       </p:ext>
     </p:extLst>
   </p:cSld>
@@ -4778,7 +5956,7 @@
       </p:sp>
       <p:pic>
         <p:nvPicPr>
-          <p:cNvPr id="5" name="Image 4"/>
+          <p:cNvPr id="8" name="Image 7"/>
           <p:cNvPicPr>
             <a:picLocks noChangeAspect="1"/>
           </p:cNvPicPr>
@@ -4792,90 +5970,41 @@
         </p:blipFill>
         <p:spPr>
           <a:xfrm>
-            <a:off x="137026" y="3219877"/>
-            <a:ext cx="5983091" cy="1748553"/>
+            <a:off x="2296303" y="816334"/>
+            <a:ext cx="6918960" cy="5701377"/>
           </a:xfrm>
           <a:prstGeom prst="rect">
             <a:avLst/>
           </a:prstGeom>
         </p:spPr>
       </p:pic>
-      <p:pic>
-        <p:nvPicPr>
-          <p:cNvPr id="7" name="Image 6"/>
-          <p:cNvPicPr>
-            <a:picLocks noChangeAspect="1"/>
-          </p:cNvPicPr>
-          <p:nvPr/>
-        </p:nvPicPr>
-        <p:blipFill>
-          <a:blip r:embed="rId3"/>
-          <a:stretch>
-            <a:fillRect/>
-          </a:stretch>
-        </p:blipFill>
-        <p:spPr>
-          <a:xfrm>
-            <a:off x="137026" y="5128737"/>
-            <a:ext cx="5829578" cy="493272"/>
-          </a:xfrm>
-          <a:prstGeom prst="rect">
-            <a:avLst/>
-          </a:prstGeom>
-        </p:spPr>
-      </p:pic>
-      <p:pic>
-        <p:nvPicPr>
-          <p:cNvPr id="3" name="Image 2"/>
-          <p:cNvPicPr>
-            <a:picLocks noChangeAspect="1"/>
-          </p:cNvPicPr>
-          <p:nvPr/>
-        </p:nvPicPr>
-        <p:blipFill>
-          <a:blip r:embed="rId4"/>
-          <a:stretch>
-            <a:fillRect/>
-          </a:stretch>
-        </p:blipFill>
-        <p:spPr>
-          <a:xfrm>
-            <a:off x="6185967" y="1026331"/>
-            <a:ext cx="5841734" cy="3942099"/>
-          </a:xfrm>
-          <a:prstGeom prst="rect">
-            <a:avLst/>
-          </a:prstGeom>
-        </p:spPr>
-      </p:pic>
-      <p:pic>
-        <p:nvPicPr>
-          <p:cNvPr id="6" name="Image 5"/>
-          <p:cNvPicPr>
-            <a:picLocks noChangeAspect="1"/>
-          </p:cNvPicPr>
-          <p:nvPr/>
-        </p:nvPicPr>
-        <p:blipFill>
-          <a:blip r:embed="rId5"/>
-          <a:stretch>
-            <a:fillRect/>
-          </a:stretch>
-        </p:blipFill>
-        <p:spPr>
-          <a:xfrm>
-            <a:off x="164080" y="1026331"/>
-            <a:ext cx="5956037" cy="2151467"/>
-          </a:xfrm>
-          <a:prstGeom prst="rect">
-            <a:avLst/>
-          </a:prstGeom>
-        </p:spPr>
-      </p:pic>
+      <p:sp>
+        <p:nvSpPr>
+          <p:cNvPr id="3" name="Espace réservé du numéro de diapositive 2"/>
+          <p:cNvSpPr>
+            <a:spLocks noGrp="1"/>
+          </p:cNvSpPr>
+          <p:nvPr>
+            <p:ph type="sldNum" sz="quarter" idx="12"/>
+          </p:nvPr>
+        </p:nvSpPr>
+        <p:spPr/>
+        <p:txBody>
+          <a:bodyPr/>
+          <a:lstStyle/>
+          <a:p>
+            <a:fld id="{944EC704-34F6-42CE-B313-9D0297A3F889}" type="slidenum">
+              <a:rPr lang="fr-FR" smtClean="0"/>
+              <a:t>9</a:t>
+            </a:fld>
+            <a:endParaRPr lang="fr-FR"/>
+          </a:p>
+        </p:txBody>
+      </p:sp>
     </p:spTree>
     <p:extLst>
       <p:ext uri="{BB962C8B-B14F-4D97-AF65-F5344CB8AC3E}">
-        <p14:creationId xmlns:p14="http://schemas.microsoft.com/office/powerpoint/2010/main" val="3937831532"/>
+        <p14:creationId xmlns:p14="http://schemas.microsoft.com/office/powerpoint/2010/main" val="2669685429"/>
       </p:ext>
     </p:extLst>
   </p:cSld>
@@ -5144,4 +6273,265 @@
     </a:ext>
   </a:extLst>
 </a:theme>
+</file>
+
+<file path=ppt/theme/theme2.xml><?xml version="1.0" encoding="utf-8"?>
+<a:theme xmlns:a="http://schemas.openxmlformats.org/drawingml/2006/main" name="Thème Office">
+  <a:themeElements>
+    <a:clrScheme name="Office">
+      <a:dk1>
+        <a:sysClr val="windowText" lastClr="000000"/>
+      </a:dk1>
+      <a:lt1>
+        <a:sysClr val="window" lastClr="FFFFFF"/>
+      </a:lt1>
+      <a:dk2>
+        <a:srgbClr val="44546A"/>
+      </a:dk2>
+      <a:lt2>
+        <a:srgbClr val="E7E6E6"/>
+      </a:lt2>
+      <a:accent1>
+        <a:srgbClr val="5B9BD5"/>
+      </a:accent1>
+      <a:accent2>
+        <a:srgbClr val="ED7D31"/>
+      </a:accent2>
+      <a:accent3>
+        <a:srgbClr val="A5A5A5"/>
+      </a:accent3>
+      <a:accent4>
+        <a:srgbClr val="FFC000"/>
+      </a:accent4>
+      <a:accent5>
+        <a:srgbClr val="4472C4"/>
+      </a:accent5>
+      <a:accent6>
+        <a:srgbClr val="70AD47"/>
+      </a:accent6>
+      <a:hlink>
+        <a:srgbClr val="0563C1"/>
+      </a:hlink>
+      <a:folHlink>
+        <a:srgbClr val="954F72"/>
+      </a:folHlink>
+    </a:clrScheme>
+    <a:fontScheme name="Office">
+      <a:majorFont>
+        <a:latin typeface="Calibri Light" panose="020F0302020204030204"/>
+        <a:ea typeface=""/>
+        <a:cs typeface=""/>
+        <a:font script="Jpan" typeface="游ゴシック Light"/>
+        <a:font script="Hang" typeface="맑은 고딕"/>
+        <a:font script="Hans" typeface="等线 Light"/>
+        <a:font script="Hant" typeface="新細明體"/>
+        <a:font script="Arab" typeface="Times New Roman"/>
+        <a:font script="Hebr" typeface="Times New Roman"/>
+        <a:font script="Thai" typeface="Angsana New"/>
+        <a:font script="Ethi" typeface="Nyala"/>
+        <a:font script="Beng" typeface="Vrinda"/>
+        <a:font script="Gujr" typeface="Shruti"/>
+        <a:font script="Khmr" typeface="MoolBoran"/>
+        <a:font script="Knda" typeface="Tunga"/>
+        <a:font script="Guru" typeface="Raavi"/>
+        <a:font script="Cans" typeface="Euphemia"/>
+        <a:font script="Cher" typeface="Plantagenet Cherokee"/>
+        <a:font script="Yiii" typeface="Microsoft Yi Baiti"/>
+        <a:font script="Tibt" typeface="Microsoft Himalaya"/>
+        <a:font script="Thaa" typeface="MV Boli"/>
+        <a:font script="Deva" typeface="Mangal"/>
+        <a:font script="Telu" typeface="Gautami"/>
+        <a:font script="Taml" typeface="Latha"/>
+        <a:font script="Syrc" typeface="Estrangelo Edessa"/>
+        <a:font script="Orya" typeface="Kalinga"/>
+        <a:font script="Mlym" typeface="Kartika"/>
+        <a:font script="Laoo" typeface="DokChampa"/>
+        <a:font script="Sinh" typeface="Iskoola Pota"/>
+        <a:font script="Mong" typeface="Mongolian Baiti"/>
+        <a:font script="Viet" typeface="Times New Roman"/>
+        <a:font script="Uigh" typeface="Microsoft Uighur"/>
+        <a:font script="Geor" typeface="Sylfaen"/>
+      </a:majorFont>
+      <a:minorFont>
+        <a:latin typeface="Calibri" panose="020F0502020204030204"/>
+        <a:ea typeface=""/>
+        <a:cs typeface=""/>
+        <a:font script="Jpan" typeface="游ゴシック"/>
+        <a:font script="Hang" typeface="맑은 고딕"/>
+        <a:font script="Hans" typeface="等线"/>
+        <a:font script="Hant" typeface="新細明體"/>
+        <a:font script="Arab" typeface="Arial"/>
+        <a:font script="Hebr" typeface="Arial"/>
+        <a:font script="Thai" typeface="Cordia New"/>
+        <a:font script="Ethi" typeface="Nyala"/>
+        <a:font script="Beng" typeface="Vrinda"/>
+        <a:font script="Gujr" typeface="Shruti"/>
+        <a:font script="Khmr" typeface="DaunPenh"/>
+        <a:font script="Knda" typeface="Tunga"/>
+        <a:font script="Guru" typeface="Raavi"/>
+        <a:font script="Cans" typeface="Euphemia"/>
+        <a:font script="Cher" typeface="Plantagenet Cherokee"/>
+        <a:font script="Yiii" typeface="Microsoft Yi Baiti"/>
+        <a:font script="Tibt" typeface="Microsoft Himalaya"/>
+        <a:font script="Thaa" typeface="MV Boli"/>
+        <a:font script="Deva" typeface="Mangal"/>
+        <a:font script="Telu" typeface="Gautami"/>
+        <a:font script="Taml" typeface="Latha"/>
+        <a:font script="Syrc" typeface="Estrangelo Edessa"/>
+        <a:font script="Orya" typeface="Kalinga"/>
+        <a:font script="Mlym" typeface="Kartika"/>
+        <a:font script="Laoo" typeface="DokChampa"/>
+        <a:font script="Sinh" typeface="Iskoola Pota"/>
+        <a:font script="Mong" typeface="Mongolian Baiti"/>
+        <a:font script="Viet" typeface="Arial"/>
+        <a:font script="Uigh" typeface="Microsoft Uighur"/>
+        <a:font script="Geor" typeface="Sylfaen"/>
+      </a:minorFont>
+    </a:fontScheme>
+    <a:fmtScheme name="Office">
+      <a:fillStyleLst>
+        <a:solidFill>
+          <a:schemeClr val="phClr"/>
+        </a:solidFill>
+        <a:gradFill rotWithShape="1">
+          <a:gsLst>
+            <a:gs pos="0">
+              <a:schemeClr val="phClr">
+                <a:lumMod val="110000"/>
+                <a:satMod val="105000"/>
+                <a:tint val="67000"/>
+              </a:schemeClr>
+            </a:gs>
+            <a:gs pos="50000">
+              <a:schemeClr val="phClr">
+                <a:lumMod val="105000"/>
+                <a:satMod val="103000"/>
+                <a:tint val="73000"/>
+              </a:schemeClr>
+            </a:gs>
+            <a:gs pos="100000">
+              <a:schemeClr val="phClr">
+                <a:lumMod val="105000"/>
+                <a:satMod val="109000"/>
+                <a:tint val="81000"/>
+              </a:schemeClr>
+            </a:gs>
+          </a:gsLst>
+          <a:lin ang="5400000" scaled="0"/>
+        </a:gradFill>
+        <a:gradFill rotWithShape="1">
+          <a:gsLst>
+            <a:gs pos="0">
+              <a:schemeClr val="phClr">
+                <a:satMod val="103000"/>
+                <a:lumMod val="102000"/>
+                <a:tint val="94000"/>
+              </a:schemeClr>
+            </a:gs>
+            <a:gs pos="50000">
+              <a:schemeClr val="phClr">
+                <a:satMod val="110000"/>
+                <a:lumMod val="100000"/>
+                <a:shade val="100000"/>
+              </a:schemeClr>
+            </a:gs>
+            <a:gs pos="100000">
+              <a:schemeClr val="phClr">
+                <a:lumMod val="99000"/>
+                <a:satMod val="120000"/>
+                <a:shade val="78000"/>
+              </a:schemeClr>
+            </a:gs>
+          </a:gsLst>
+          <a:lin ang="5400000" scaled="0"/>
+        </a:gradFill>
+      </a:fillStyleLst>
+      <a:lnStyleLst>
+        <a:ln w="6350" cap="flat" cmpd="sng" algn="ctr">
+          <a:solidFill>
+            <a:schemeClr val="phClr"/>
+          </a:solidFill>
+          <a:prstDash val="solid"/>
+          <a:miter lim="800000"/>
+        </a:ln>
+        <a:ln w="12700" cap="flat" cmpd="sng" algn="ctr">
+          <a:solidFill>
+            <a:schemeClr val="phClr"/>
+          </a:solidFill>
+          <a:prstDash val="solid"/>
+          <a:miter lim="800000"/>
+        </a:ln>
+        <a:ln w="19050" cap="flat" cmpd="sng" algn="ctr">
+          <a:solidFill>
+            <a:schemeClr val="phClr"/>
+          </a:solidFill>
+          <a:prstDash val="solid"/>
+          <a:miter lim="800000"/>
+        </a:ln>
+      </a:lnStyleLst>
+      <a:effectStyleLst>
+        <a:effectStyle>
+          <a:effectLst/>
+        </a:effectStyle>
+        <a:effectStyle>
+          <a:effectLst/>
+        </a:effectStyle>
+        <a:effectStyle>
+          <a:effectLst>
+            <a:outerShdw blurRad="57150" dist="19050" dir="5400000" algn="ctr" rotWithShape="0">
+              <a:srgbClr val="000000">
+                <a:alpha val="63000"/>
+              </a:srgbClr>
+            </a:outerShdw>
+          </a:effectLst>
+        </a:effectStyle>
+      </a:effectStyleLst>
+      <a:bgFillStyleLst>
+        <a:solidFill>
+          <a:schemeClr val="phClr"/>
+        </a:solidFill>
+        <a:solidFill>
+          <a:schemeClr val="phClr">
+            <a:tint val="95000"/>
+            <a:satMod val="170000"/>
+          </a:schemeClr>
+        </a:solidFill>
+        <a:gradFill rotWithShape="1">
+          <a:gsLst>
+            <a:gs pos="0">
+              <a:schemeClr val="phClr">
+                <a:tint val="93000"/>
+                <a:satMod val="150000"/>
+                <a:shade val="98000"/>
+                <a:lumMod val="102000"/>
+              </a:schemeClr>
+            </a:gs>
+            <a:gs pos="50000">
+              <a:schemeClr val="phClr">
+                <a:tint val="98000"/>
+                <a:satMod val="130000"/>
+                <a:shade val="90000"/>
+                <a:lumMod val="103000"/>
+              </a:schemeClr>
+            </a:gs>
+            <a:gs pos="100000">
+              <a:schemeClr val="phClr">
+                <a:shade val="63000"/>
+                <a:satMod val="120000"/>
+              </a:schemeClr>
+            </a:gs>
+          </a:gsLst>
+          <a:lin ang="5400000" scaled="0"/>
+        </a:gradFill>
+      </a:bgFillStyleLst>
+    </a:fmtScheme>
+  </a:themeElements>
+  <a:objectDefaults/>
+  <a:extraClrSchemeLst/>
+  <a:extLst>
+    <a:ext uri="{05A4C25C-085E-4340-85A3-A5531E510DB2}">
+      <thm15:themeFamily xmlns:thm15="http://schemas.microsoft.com/office/thememl/2012/main" name="Office Theme" id="{62F939B6-93AF-4DB8-9C6B-D6C7DFDC589F}" vid="{4A3C46E8-61CC-4603-A589-7422A47A8E4A}"/>
+    </a:ext>
+  </a:extLst>
+</a:theme>
 </file>
--- a/Conception/INFOFO.pptx
+++ b/Conception/INFOFO.pptx
@@ -4931,30 +4931,6 @@
           </a:prstGeom>
         </p:spPr>
       </p:pic>
-      <p:pic>
-        <p:nvPicPr>
-          <p:cNvPr id="8" name="Image 7"/>
-          <p:cNvPicPr>
-            <a:picLocks noChangeAspect="1"/>
-          </p:cNvPicPr>
-          <p:nvPr/>
-        </p:nvPicPr>
-        <p:blipFill>
-          <a:blip r:embed="rId3"/>
-          <a:stretch>
-            <a:fillRect/>
-          </a:stretch>
-        </p:blipFill>
-        <p:spPr>
-          <a:xfrm>
-            <a:off x="2676525" y="1271587"/>
-            <a:ext cx="6838950" cy="4314825"/>
-          </a:xfrm>
-          <a:prstGeom prst="rect">
-            <a:avLst/>
-          </a:prstGeom>
-        </p:spPr>
-      </p:pic>
     </p:spTree>
     <p:extLst>
       <p:ext uri="{BB962C8B-B14F-4D97-AF65-F5344CB8AC3E}">
@@ -5650,9 +5626,32 @@
           </a:prstGeom>
         </p:spPr>
       </p:pic>
+      <p:sp>
+        <p:nvSpPr>
+          <p:cNvPr id="4" name="Espace réservé du numéro de diapositive 3"/>
+          <p:cNvSpPr>
+            <a:spLocks noGrp="1"/>
+          </p:cNvSpPr>
+          <p:nvPr>
+            <p:ph type="sldNum" sz="quarter" idx="12"/>
+          </p:nvPr>
+        </p:nvSpPr>
+        <p:spPr/>
+        <p:txBody>
+          <a:bodyPr/>
+          <a:lstStyle/>
+          <a:p>
+            <a:fld id="{944EC704-34F6-42CE-B313-9D0297A3F889}" type="slidenum">
+              <a:rPr lang="fr-FR" smtClean="0"/>
+              <a:t>7</a:t>
+            </a:fld>
+            <a:endParaRPr lang="fr-FR"/>
+          </a:p>
+        </p:txBody>
+      </p:sp>
       <p:pic>
         <p:nvPicPr>
-          <p:cNvPr id="6" name="Image 5"/>
+          <p:cNvPr id="5" name="Image 4"/>
           <p:cNvPicPr>
             <a:picLocks noChangeAspect="1"/>
           </p:cNvPicPr>
@@ -5666,37 +5665,14 @@
         </p:blipFill>
         <p:spPr>
           <a:xfrm>
-            <a:off x="6741893" y="1061237"/>
-            <a:ext cx="5272155" cy="3785457"/>
+            <a:off x="6737537" y="1737005"/>
+            <a:ext cx="5252248" cy="3447396"/>
           </a:xfrm>
           <a:prstGeom prst="rect">
             <a:avLst/>
           </a:prstGeom>
         </p:spPr>
       </p:pic>
-      <p:sp>
-        <p:nvSpPr>
-          <p:cNvPr id="4" name="Espace réservé du numéro de diapositive 3"/>
-          <p:cNvSpPr>
-            <a:spLocks noGrp="1"/>
-          </p:cNvSpPr>
-          <p:nvPr>
-            <p:ph type="sldNum" sz="quarter" idx="12"/>
-          </p:nvPr>
-        </p:nvSpPr>
-        <p:spPr/>
-        <p:txBody>
-          <a:bodyPr/>
-          <a:lstStyle/>
-          <a:p>
-            <a:fld id="{944EC704-34F6-42CE-B313-9D0297A3F889}" type="slidenum">
-              <a:rPr lang="fr-FR" smtClean="0"/>
-              <a:t>7</a:t>
-            </a:fld>
-            <a:endParaRPr lang="fr-FR"/>
-          </a:p>
-        </p:txBody>
-      </p:sp>
     </p:spTree>
     <p:extLst>
       <p:ext uri="{BB962C8B-B14F-4D97-AF65-F5344CB8AC3E}">

--- a/Conception/INFOFO.pptx
+++ b/Conception/INFOFO.pptx
@@ -5,7 +5,7 @@
     <p:sldMasterId id="2147483648" r:id="rId1"/>
   </p:sldMasterIdLst>
   <p:notesMasterIdLst>
-    <p:notesMasterId r:id="rId17"/>
+    <p:notesMasterId r:id="rId19"/>
   </p:notesMasterIdLst>
   <p:sldIdLst>
     <p:sldId id="256" r:id="rId2"/>
@@ -20,9 +20,11 @@
     <p:sldId id="264" r:id="rId11"/>
     <p:sldId id="265" r:id="rId12"/>
     <p:sldId id="266" r:id="rId13"/>
-    <p:sldId id="267" r:id="rId14"/>
-    <p:sldId id="268" r:id="rId15"/>
-    <p:sldId id="269" r:id="rId16"/>
+    <p:sldId id="272" r:id="rId14"/>
+    <p:sldId id="273" r:id="rId15"/>
+    <p:sldId id="267" r:id="rId16"/>
+    <p:sldId id="268" r:id="rId17"/>
+    <p:sldId id="269" r:id="rId18"/>
   </p:sldIdLst>
   <p:sldSz cx="12192000" cy="6858000"/>
   <p:notesSz cx="6858000" cy="9144000"/>
@@ -668,6 +670,18 @@
   <p:clrMapOvr>
     <a:masterClrMapping/>
   </p:clrMapOvr>
+  <mc:AlternateContent xmlns:mc="http://schemas.openxmlformats.org/markup-compatibility/2006">
+    <mc:Choice xmlns:p14="http://schemas.microsoft.com/office/powerpoint/2010/main" Requires="p14">
+      <p:transition spd="med" p14:dur="700">
+        <p:fade/>
+      </p:transition>
+    </mc:Choice>
+    <mc:Fallback>
+      <p:transition spd="med">
+        <p:fade/>
+      </p:transition>
+    </mc:Fallback>
+  </mc:AlternateContent>
 </p:sldLayout>
 </file>
 
@@ -838,6 +852,18 @@
   <p:clrMapOvr>
     <a:masterClrMapping/>
   </p:clrMapOvr>
+  <mc:AlternateContent xmlns:mc="http://schemas.openxmlformats.org/markup-compatibility/2006">
+    <mc:Choice xmlns:p14="http://schemas.microsoft.com/office/powerpoint/2010/main" Requires="p14">
+      <p:transition spd="med" p14:dur="700">
+        <p:fade/>
+      </p:transition>
+    </mc:Choice>
+    <mc:Fallback>
+      <p:transition spd="med">
+        <p:fade/>
+      </p:transition>
+    </mc:Fallback>
+  </mc:AlternateContent>
 </p:sldLayout>
 </file>
 
@@ -1018,6 +1044,18 @@
   <p:clrMapOvr>
     <a:masterClrMapping/>
   </p:clrMapOvr>
+  <mc:AlternateContent xmlns:mc="http://schemas.openxmlformats.org/markup-compatibility/2006">
+    <mc:Choice xmlns:p14="http://schemas.microsoft.com/office/powerpoint/2010/main" Requires="p14">
+      <p:transition spd="med" p14:dur="700">
+        <p:fade/>
+      </p:transition>
+    </mc:Choice>
+    <mc:Fallback>
+      <p:transition spd="med">
+        <p:fade/>
+      </p:transition>
+    </mc:Fallback>
+  </mc:AlternateContent>
 </p:sldLayout>
 </file>
 
@@ -1188,6 +1226,18 @@
   <p:clrMapOvr>
     <a:masterClrMapping/>
   </p:clrMapOvr>
+  <mc:AlternateContent xmlns:mc="http://schemas.openxmlformats.org/markup-compatibility/2006">
+    <mc:Choice xmlns:p14="http://schemas.microsoft.com/office/powerpoint/2010/main" Requires="p14">
+      <p:transition spd="med" p14:dur="700">
+        <p:fade/>
+      </p:transition>
+    </mc:Choice>
+    <mc:Fallback>
+      <p:transition spd="med">
+        <p:fade/>
+      </p:transition>
+    </mc:Fallback>
+  </mc:AlternateContent>
 </p:sldLayout>
 </file>
 
@@ -1434,6 +1484,18 @@
   <p:clrMapOvr>
     <a:masterClrMapping/>
   </p:clrMapOvr>
+  <mc:AlternateContent xmlns:mc="http://schemas.openxmlformats.org/markup-compatibility/2006">
+    <mc:Choice xmlns:p14="http://schemas.microsoft.com/office/powerpoint/2010/main" Requires="p14">
+      <p:transition spd="med" p14:dur="700">
+        <p:fade/>
+      </p:transition>
+    </mc:Choice>
+    <mc:Fallback>
+      <p:transition spd="med">
+        <p:fade/>
+      </p:transition>
+    </mc:Fallback>
+  </mc:AlternateContent>
 </p:sldLayout>
 </file>
 
@@ -1666,6 +1728,18 @@
   <p:clrMapOvr>
     <a:masterClrMapping/>
   </p:clrMapOvr>
+  <mc:AlternateContent xmlns:mc="http://schemas.openxmlformats.org/markup-compatibility/2006">
+    <mc:Choice xmlns:p14="http://schemas.microsoft.com/office/powerpoint/2010/main" Requires="p14">
+      <p:transition spd="med" p14:dur="700">
+        <p:fade/>
+      </p:transition>
+    </mc:Choice>
+    <mc:Fallback>
+      <p:transition spd="med">
+        <p:fade/>
+      </p:transition>
+    </mc:Fallback>
+  </mc:AlternateContent>
 </p:sldLayout>
 </file>
 
@@ -2033,6 +2107,18 @@
   <p:clrMapOvr>
     <a:masterClrMapping/>
   </p:clrMapOvr>
+  <mc:AlternateContent xmlns:mc="http://schemas.openxmlformats.org/markup-compatibility/2006">
+    <mc:Choice xmlns:p14="http://schemas.microsoft.com/office/powerpoint/2010/main" Requires="p14">
+      <p:transition spd="med" p14:dur="700">
+        <p:fade/>
+      </p:transition>
+    </mc:Choice>
+    <mc:Fallback>
+      <p:transition spd="med">
+        <p:fade/>
+      </p:transition>
+    </mc:Fallback>
+  </mc:AlternateContent>
 </p:sldLayout>
 </file>
 
@@ -2151,6 +2237,18 @@
   <p:clrMapOvr>
     <a:masterClrMapping/>
   </p:clrMapOvr>
+  <mc:AlternateContent xmlns:mc="http://schemas.openxmlformats.org/markup-compatibility/2006">
+    <mc:Choice xmlns:p14="http://schemas.microsoft.com/office/powerpoint/2010/main" Requires="p14">
+      <p:transition spd="med" p14:dur="700">
+        <p:fade/>
+      </p:transition>
+    </mc:Choice>
+    <mc:Fallback>
+      <p:transition spd="med">
+        <p:fade/>
+      </p:transition>
+    </mc:Fallback>
+  </mc:AlternateContent>
 </p:sldLayout>
 </file>
 
@@ -2246,6 +2344,18 @@
   <p:clrMapOvr>
     <a:masterClrMapping/>
   </p:clrMapOvr>
+  <mc:AlternateContent xmlns:mc="http://schemas.openxmlformats.org/markup-compatibility/2006">
+    <mc:Choice xmlns:p14="http://schemas.microsoft.com/office/powerpoint/2010/main" Requires="p14">
+      <p:transition spd="med" p14:dur="700">
+        <p:fade/>
+      </p:transition>
+    </mc:Choice>
+    <mc:Fallback>
+      <p:transition spd="med">
+        <p:fade/>
+      </p:transition>
+    </mc:Fallback>
+  </mc:AlternateContent>
 </p:sldLayout>
 </file>
 
@@ -2523,6 +2633,18 @@
   <p:clrMapOvr>
     <a:masterClrMapping/>
   </p:clrMapOvr>
+  <mc:AlternateContent xmlns:mc="http://schemas.openxmlformats.org/markup-compatibility/2006">
+    <mc:Choice xmlns:p14="http://schemas.microsoft.com/office/powerpoint/2010/main" Requires="p14">
+      <p:transition spd="med" p14:dur="700">
+        <p:fade/>
+      </p:transition>
+    </mc:Choice>
+    <mc:Fallback>
+      <p:transition spd="med">
+        <p:fade/>
+      </p:transition>
+    </mc:Fallback>
+  </mc:AlternateContent>
 </p:sldLayout>
 </file>
 
@@ -2776,6 +2898,18 @@
   <p:clrMapOvr>
     <a:masterClrMapping/>
   </p:clrMapOvr>
+  <mc:AlternateContent xmlns:mc="http://schemas.openxmlformats.org/markup-compatibility/2006">
+    <mc:Choice xmlns:p14="http://schemas.microsoft.com/office/powerpoint/2010/main" Requires="p14">
+      <p:transition spd="med" p14:dur="700">
+        <p:fade/>
+      </p:transition>
+    </mc:Choice>
+    <mc:Fallback>
+      <p:transition spd="med">
+        <p:fade/>
+      </p:transition>
+    </mc:Fallback>
+  </mc:AlternateContent>
 </p:sldLayout>
 </file>
 
@@ -3036,6 +3170,18 @@
     <p:sldLayoutId id="2147483658" r:id="rId10"/>
     <p:sldLayoutId id="2147483659" r:id="rId11"/>
   </p:sldLayoutIdLst>
+  <mc:AlternateContent xmlns:mc="http://schemas.openxmlformats.org/markup-compatibility/2006">
+    <mc:Choice xmlns:p14="http://schemas.microsoft.com/office/powerpoint/2010/main" Requires="p14">
+      <p:transition spd="med" p14:dur="700">
+        <p:fade/>
+      </p:transition>
+    </mc:Choice>
+    <mc:Fallback>
+      <p:transition spd="med">
+        <p:fade/>
+      </p:transition>
+    </mc:Fallback>
+  </mc:AlternateContent>
   <p:hf hdr="0" ftr="0" dt="0"/>
   <p:txStyles>
     <p:titleStyle>
@@ -3469,6 +3615,18 @@
   <p:clrMapOvr>
     <a:masterClrMapping/>
   </p:clrMapOvr>
+  <mc:AlternateContent xmlns:mc="http://schemas.openxmlformats.org/markup-compatibility/2006">
+    <mc:Choice xmlns:p14="http://schemas.microsoft.com/office/powerpoint/2010/main" Requires="p14">
+      <p:transition spd="med" p14:dur="700">
+        <p:fade/>
+      </p:transition>
+    </mc:Choice>
+    <mc:Fallback>
+      <p:transition spd="med">
+        <p:fade/>
+      </p:transition>
+    </mc:Fallback>
+  </mc:AlternateContent>
   <p:timing>
     <p:tnLst>
       <p:par>
@@ -3688,6 +3846,25 @@
   <p:clrMapOvr>
     <a:masterClrMapping/>
   </p:clrMapOvr>
+  <mc:AlternateContent xmlns:mc="http://schemas.openxmlformats.org/markup-compatibility/2006">
+    <mc:Choice xmlns:p14="http://schemas.microsoft.com/office/powerpoint/2010/main" Requires="p14">
+      <p:transition spd="med" p14:dur="700">
+        <p:fade/>
+      </p:transition>
+    </mc:Choice>
+    <mc:Fallback>
+      <p:transition spd="med">
+        <p:fade/>
+      </p:transition>
+    </mc:Fallback>
+  </mc:AlternateContent>
+  <p:timing>
+    <p:tnLst>
+      <p:par>
+        <p:cTn id="1" dur="indefinite" restart="never" nodeType="tmRoot"/>
+      </p:par>
+    </p:tnLst>
+  </p:timing>
 </p:sld>
 </file>
 
@@ -3828,6 +4005,25 @@
   <p:clrMapOvr>
     <a:masterClrMapping/>
   </p:clrMapOvr>
+  <mc:AlternateContent xmlns:mc="http://schemas.openxmlformats.org/markup-compatibility/2006">
+    <mc:Choice xmlns:p14="http://schemas.microsoft.com/office/powerpoint/2010/main" Requires="p14">
+      <p:transition spd="med" p14:dur="700">
+        <p:fade/>
+      </p:transition>
+    </mc:Choice>
+    <mc:Fallback>
+      <p:transition spd="med">
+        <p:fade/>
+      </p:transition>
+    </mc:Fallback>
+  </mc:AlternateContent>
+  <p:timing>
+    <p:tnLst>
+      <p:par>
+        <p:cTn id="1" dur="indefinite" restart="never" nodeType="tmRoot"/>
+      </p:par>
+    </p:tnLst>
+  </p:timing>
 </p:sld>
 </file>
 
@@ -4016,6 +4212,25 @@
   <p:clrMapOvr>
     <a:masterClrMapping/>
   </p:clrMapOvr>
+  <mc:AlternateContent xmlns:mc="http://schemas.openxmlformats.org/markup-compatibility/2006">
+    <mc:Choice xmlns:p14="http://schemas.microsoft.com/office/powerpoint/2010/main" Requires="p14">
+      <p:transition spd="med" p14:dur="700">
+        <p:fade/>
+      </p:transition>
+    </mc:Choice>
+    <mc:Fallback>
+      <p:transition spd="med">
+        <p:fade/>
+      </p:transition>
+    </mc:Fallback>
+  </mc:AlternateContent>
+  <p:timing>
+    <p:tnLst>
+      <p:par>
+        <p:cTn id="1" dur="indefinite" restart="never" nodeType="tmRoot"/>
+      </p:par>
+    </p:tnLst>
+  </p:timing>
 </p:sld>
 </file>
 
@@ -4093,7 +4308,7 @@
           <a:p>
             <a:r>
               <a:rPr lang="fr-FR" sz="3600" dirty="0" smtClean="0"/>
-              <a:t>Modification du compte</a:t>
+              <a:t>Affichage des sujets</a:t>
             </a:r>
             <a:endParaRPr lang="fr-FR" sz="3600" dirty="0"/>
           </a:p>
@@ -4101,7 +4316,7 @@
       </p:sp>
       <p:pic>
         <p:nvPicPr>
-          <p:cNvPr id="3" name="Image 2"/>
+          <p:cNvPr id="9" name="Image 8"/>
           <p:cNvPicPr>
             <a:picLocks noChangeAspect="1"/>
           </p:cNvPicPr>
@@ -4115,318 +4330,14 @@
         </p:blipFill>
         <p:spPr>
           <a:xfrm>
-            <a:off x="441914" y="2077625"/>
-            <a:ext cx="4979966" cy="2788080"/>
+            <a:off x="2296303" y="816334"/>
+            <a:ext cx="6918960" cy="5701377"/>
           </a:xfrm>
           <a:prstGeom prst="rect">
             <a:avLst/>
           </a:prstGeom>
         </p:spPr>
       </p:pic>
-      <p:pic>
-        <p:nvPicPr>
-          <p:cNvPr id="4" name="Image 3"/>
-          <p:cNvPicPr>
-            <a:picLocks noChangeAspect="1"/>
-          </p:cNvPicPr>
-          <p:nvPr/>
-        </p:nvPicPr>
-        <p:blipFill>
-          <a:blip r:embed="rId3"/>
-          <a:stretch>
-            <a:fillRect/>
-          </a:stretch>
-        </p:blipFill>
-        <p:spPr>
-          <a:xfrm>
-            <a:off x="5648450" y="1704444"/>
-            <a:ext cx="5532168" cy="3534441"/>
-          </a:xfrm>
-          <a:prstGeom prst="rect">
-            <a:avLst/>
-          </a:prstGeom>
-        </p:spPr>
-      </p:pic>
-      <p:sp>
-        <p:nvSpPr>
-          <p:cNvPr id="5" name="Espace réservé du numéro de diapositive 4"/>
-          <p:cNvSpPr>
-            <a:spLocks noGrp="1"/>
-          </p:cNvSpPr>
-          <p:nvPr>
-            <p:ph type="sldNum" sz="quarter" idx="12"/>
-          </p:nvPr>
-        </p:nvSpPr>
-        <p:spPr/>
-        <p:txBody>
-          <a:bodyPr/>
-          <a:lstStyle/>
-          <a:p>
-            <a:fld id="{944EC704-34F6-42CE-B313-9D0297A3F889}" type="slidenum">
-              <a:rPr lang="fr-FR" smtClean="0"/>
-              <a:t>13</a:t>
-            </a:fld>
-            <a:endParaRPr lang="fr-FR"/>
-          </a:p>
-        </p:txBody>
-      </p:sp>
-    </p:spTree>
-    <p:extLst>
-      <p:ext uri="{BB962C8B-B14F-4D97-AF65-F5344CB8AC3E}">
-        <p14:creationId xmlns:p14="http://schemas.microsoft.com/office/powerpoint/2010/main" val="6793766"/>
-      </p:ext>
-    </p:extLst>
-  </p:cSld>
-  <p:clrMapOvr>
-    <a:masterClrMapping/>
-  </p:clrMapOvr>
-</p:sld>
-</file>
-
-<file path=ppt/slides/slide14.xml><?xml version="1.0" encoding="utf-8"?>
-<p:sld xmlns:a="http://schemas.openxmlformats.org/drawingml/2006/main" xmlns:r="http://schemas.openxmlformats.org/officeDocument/2006/relationships" xmlns:p="http://schemas.openxmlformats.org/presentationml/2006/main">
-  <p:cSld>
-    <p:bg>
-      <p:bgPr>
-        <a:gradFill>
-          <a:gsLst>
-            <a:gs pos="0">
-              <a:schemeClr val="accent1">
-                <a:lumMod val="5000"/>
-                <a:lumOff val="95000"/>
-              </a:schemeClr>
-            </a:gs>
-            <a:gs pos="32000">
-              <a:schemeClr val="accent1">
-                <a:lumMod val="75000"/>
-              </a:schemeClr>
-            </a:gs>
-            <a:gs pos="69000">
-              <a:schemeClr val="accent1">
-                <a:lumMod val="60000"/>
-                <a:lumOff val="40000"/>
-              </a:schemeClr>
-            </a:gs>
-            <a:gs pos="100000">
-              <a:schemeClr val="accent1">
-                <a:lumMod val="30000"/>
-                <a:lumOff val="70000"/>
-              </a:schemeClr>
-            </a:gs>
-          </a:gsLst>
-          <a:lin ang="5400000" scaled="1"/>
-        </a:gradFill>
-        <a:effectLst/>
-      </p:bgPr>
-    </p:bg>
-    <p:spTree>
-      <p:nvGrpSpPr>
-        <p:cNvPr id="1" name=""/>
-        <p:cNvGrpSpPr/>
-        <p:nvPr/>
-      </p:nvGrpSpPr>
-      <p:grpSpPr>
-        <a:xfrm>
-          <a:off x="0" y="0"/>
-          <a:ext cx="0" cy="0"/>
-          <a:chOff x="0" y="0"/>
-          <a:chExt cx="0" cy="0"/>
-        </a:xfrm>
-      </p:grpSpPr>
-      <p:sp>
-        <p:nvSpPr>
-          <p:cNvPr id="2" name="Titre 1"/>
-          <p:cNvSpPr>
-            <a:spLocks noGrp="1"/>
-          </p:cNvSpPr>
-          <p:nvPr>
-            <p:ph type="title"/>
-          </p:nvPr>
-        </p:nvSpPr>
-        <p:spPr>
-          <a:xfrm>
-            <a:off x="164080" y="-202204"/>
-            <a:ext cx="10515600" cy="1325563"/>
-          </a:xfrm>
-        </p:spPr>
-        <p:txBody>
-          <a:bodyPr>
-            <a:normAutofit/>
-          </a:bodyPr>
-          <a:lstStyle/>
-          <a:p>
-            <a:r>
-              <a:rPr lang="fr-FR" sz="3600" dirty="0" smtClean="0"/>
-              <a:t>Modification du compte</a:t>
-            </a:r>
-            <a:endParaRPr lang="fr-FR" sz="3600" dirty="0"/>
-          </a:p>
-        </p:txBody>
-      </p:sp>
-      <p:pic>
-        <p:nvPicPr>
-          <p:cNvPr id="7" name="Image 6"/>
-          <p:cNvPicPr>
-            <a:picLocks noChangeAspect="1"/>
-          </p:cNvPicPr>
-          <p:nvPr/>
-        </p:nvPicPr>
-        <p:blipFill>
-          <a:blip r:embed="rId2"/>
-          <a:stretch>
-            <a:fillRect/>
-          </a:stretch>
-        </p:blipFill>
-        <p:spPr>
-          <a:xfrm>
-            <a:off x="7182069" y="807397"/>
-            <a:ext cx="4742241" cy="4856512"/>
-          </a:xfrm>
-          <a:prstGeom prst="rect">
-            <a:avLst/>
-          </a:prstGeom>
-        </p:spPr>
-      </p:pic>
-      <p:pic>
-        <p:nvPicPr>
-          <p:cNvPr id="9" name="Image 8"/>
-          <p:cNvPicPr>
-            <a:picLocks noChangeAspect="1"/>
-          </p:cNvPicPr>
-          <p:nvPr/>
-        </p:nvPicPr>
-        <p:blipFill>
-          <a:blip r:embed="rId3"/>
-          <a:stretch>
-            <a:fillRect/>
-          </a:stretch>
-        </p:blipFill>
-        <p:spPr>
-          <a:xfrm>
-            <a:off x="51264" y="1905554"/>
-            <a:ext cx="6860798" cy="2660198"/>
-          </a:xfrm>
-          <a:prstGeom prst="rect">
-            <a:avLst/>
-          </a:prstGeom>
-        </p:spPr>
-      </p:pic>
-      <p:sp>
-        <p:nvSpPr>
-          <p:cNvPr id="3" name="Espace réservé du numéro de diapositive 2"/>
-          <p:cNvSpPr>
-            <a:spLocks noGrp="1"/>
-          </p:cNvSpPr>
-          <p:nvPr>
-            <p:ph type="sldNum" sz="quarter" idx="12"/>
-          </p:nvPr>
-        </p:nvSpPr>
-        <p:spPr/>
-        <p:txBody>
-          <a:bodyPr/>
-          <a:lstStyle/>
-          <a:p>
-            <a:fld id="{944EC704-34F6-42CE-B313-9D0297A3F889}" type="slidenum">
-              <a:rPr lang="fr-FR" smtClean="0"/>
-              <a:t>14</a:t>
-            </a:fld>
-            <a:endParaRPr lang="fr-FR"/>
-          </a:p>
-        </p:txBody>
-      </p:sp>
-    </p:spTree>
-    <p:extLst>
-      <p:ext uri="{BB962C8B-B14F-4D97-AF65-F5344CB8AC3E}">
-        <p14:creationId xmlns:p14="http://schemas.microsoft.com/office/powerpoint/2010/main" val="1048807597"/>
-      </p:ext>
-    </p:extLst>
-  </p:cSld>
-  <p:clrMapOvr>
-    <a:masterClrMapping/>
-  </p:clrMapOvr>
-</p:sld>
-</file>
-
-<file path=ppt/slides/slide15.xml><?xml version="1.0" encoding="utf-8"?>
-<p:sld xmlns:a="http://schemas.openxmlformats.org/drawingml/2006/main" xmlns:r="http://schemas.openxmlformats.org/officeDocument/2006/relationships" xmlns:p="http://schemas.openxmlformats.org/presentationml/2006/main">
-  <p:cSld>
-    <p:bg>
-      <p:bgPr>
-        <a:gradFill>
-          <a:gsLst>
-            <a:gs pos="0">
-              <a:schemeClr val="accent1">
-                <a:lumMod val="5000"/>
-                <a:lumOff val="95000"/>
-              </a:schemeClr>
-            </a:gs>
-            <a:gs pos="32000">
-              <a:schemeClr val="accent1">
-                <a:lumMod val="75000"/>
-              </a:schemeClr>
-            </a:gs>
-            <a:gs pos="69000">
-              <a:schemeClr val="accent1">
-                <a:lumMod val="60000"/>
-                <a:lumOff val="40000"/>
-              </a:schemeClr>
-            </a:gs>
-            <a:gs pos="100000">
-              <a:schemeClr val="accent1">
-                <a:lumMod val="30000"/>
-                <a:lumOff val="70000"/>
-              </a:schemeClr>
-            </a:gs>
-          </a:gsLst>
-          <a:lin ang="5400000" scaled="1"/>
-        </a:gradFill>
-        <a:effectLst/>
-      </p:bgPr>
-    </p:bg>
-    <p:spTree>
-      <p:nvGrpSpPr>
-        <p:cNvPr id="1" name=""/>
-        <p:cNvGrpSpPr/>
-        <p:nvPr/>
-      </p:nvGrpSpPr>
-      <p:grpSpPr>
-        <a:xfrm>
-          <a:off x="0" y="0"/>
-          <a:ext cx="0" cy="0"/>
-          <a:chOff x="0" y="0"/>
-          <a:chExt cx="0" cy="0"/>
-        </a:xfrm>
-      </p:grpSpPr>
-      <p:sp>
-        <p:nvSpPr>
-          <p:cNvPr id="2" name="Titre 1"/>
-          <p:cNvSpPr>
-            <a:spLocks noGrp="1"/>
-          </p:cNvSpPr>
-          <p:nvPr>
-            <p:ph type="title"/>
-          </p:nvPr>
-        </p:nvSpPr>
-        <p:spPr>
-          <a:xfrm>
-            <a:off x="164080" y="-202204"/>
-            <a:ext cx="10515600" cy="1325563"/>
-          </a:xfrm>
-        </p:spPr>
-        <p:txBody>
-          <a:bodyPr>
-            <a:normAutofit/>
-          </a:bodyPr>
-          <a:lstStyle/>
-          <a:p>
-            <a:r>
-              <a:rPr lang="fr-FR" sz="3600" dirty="0" smtClean="0"/>
-              <a:t>suppression</a:t>
-            </a:r>
-            <a:endParaRPr lang="fr-FR" sz="3600" dirty="0"/>
-          </a:p>
-        </p:txBody>
-      </p:sp>
       <p:sp>
         <p:nvSpPr>
           <p:cNvPr id="3" name="Espace réservé du numéro de diapositive 2"/>
@@ -4493,7 +4404,7 @@
                 <a:tabLst/>
                 <a:defRPr/>
               </a:pPr>
-              <a:t>15</a:t>
+              <a:t>13</a:t>
             </a:fld>
             <a:endParaRPr kumimoji="0" lang="fr-FR" sz="1200" b="0" i="0" u="none" strike="noStrike" kern="1200" cap="none" spc="0" normalizeH="0" baseline="0" noProof="0">
               <a:ln>
@@ -4514,92 +4425,39 @@
           </a:p>
         </p:txBody>
       </p:sp>
-      <p:pic>
-        <p:nvPicPr>
-          <p:cNvPr id="4" name="Image 3"/>
-          <p:cNvPicPr>
-            <a:picLocks noChangeAspect="1"/>
-          </p:cNvPicPr>
-          <p:nvPr/>
-        </p:nvPicPr>
-        <p:blipFill>
-          <a:blip r:embed="rId2"/>
-          <a:stretch>
-            <a:fillRect/>
-          </a:stretch>
-        </p:blipFill>
-        <p:spPr>
-          <a:xfrm>
-            <a:off x="1789824" y="892191"/>
-            <a:ext cx="8037007" cy="2027214"/>
-          </a:xfrm>
-          <a:prstGeom prst="rect">
-            <a:avLst/>
-          </a:prstGeom>
-        </p:spPr>
-      </p:pic>
-      <p:pic>
-        <p:nvPicPr>
-          <p:cNvPr id="5" name="Image 4"/>
-          <p:cNvPicPr>
-            <a:picLocks noChangeAspect="1"/>
-          </p:cNvPicPr>
-          <p:nvPr/>
-        </p:nvPicPr>
-        <p:blipFill>
-          <a:blip r:embed="rId3"/>
-          <a:stretch>
-            <a:fillRect/>
-          </a:stretch>
-        </p:blipFill>
-        <p:spPr>
-          <a:xfrm>
-            <a:off x="356877" y="3318287"/>
-            <a:ext cx="6229350" cy="2038350"/>
-          </a:xfrm>
-          <a:prstGeom prst="rect">
-            <a:avLst/>
-          </a:prstGeom>
-        </p:spPr>
-      </p:pic>
-      <p:pic>
-        <p:nvPicPr>
-          <p:cNvPr id="6" name="Image 5"/>
-          <p:cNvPicPr>
-            <a:picLocks noChangeAspect="1"/>
-          </p:cNvPicPr>
-          <p:nvPr/>
-        </p:nvPicPr>
-        <p:blipFill>
-          <a:blip r:embed="rId4"/>
-          <a:stretch>
-            <a:fillRect/>
-          </a:stretch>
-        </p:blipFill>
-        <p:spPr>
-          <a:xfrm>
-            <a:off x="6891214" y="3032537"/>
-            <a:ext cx="4905375" cy="2609850"/>
-          </a:xfrm>
-          <a:prstGeom prst="rect">
-            <a:avLst/>
-          </a:prstGeom>
-        </p:spPr>
-      </p:pic>
     </p:spTree>
     <p:extLst>
       <p:ext uri="{BB962C8B-B14F-4D97-AF65-F5344CB8AC3E}">
-        <p14:creationId xmlns:p14="http://schemas.microsoft.com/office/powerpoint/2010/main" val="2052933657"/>
+        <p14:creationId xmlns:p14="http://schemas.microsoft.com/office/powerpoint/2010/main" val="1355854123"/>
       </p:ext>
     </p:extLst>
   </p:cSld>
   <p:clrMapOvr>
     <a:masterClrMapping/>
   </p:clrMapOvr>
+  <mc:AlternateContent xmlns:mc="http://schemas.openxmlformats.org/markup-compatibility/2006">
+    <mc:Choice xmlns:p14="http://schemas.microsoft.com/office/powerpoint/2010/main" Requires="p14">
+      <p:transition spd="med" p14:dur="700">
+        <p:fade/>
+      </p:transition>
+    </mc:Choice>
+    <mc:Fallback>
+      <p:transition spd="med">
+        <p:fade/>
+      </p:transition>
+    </mc:Fallback>
+  </mc:AlternateContent>
+  <p:timing>
+    <p:tnLst>
+      <p:par>
+        <p:cTn id="1" dur="indefinite" restart="never" nodeType="tmRoot"/>
+      </p:par>
+    </p:tnLst>
+  </p:timing>
 </p:sld>
 </file>
 
-<file path=ppt/slides/slide2.xml><?xml version="1.0" encoding="utf-8"?>
+<file path=ppt/slides/slide14.xml><?xml version="1.0" encoding="utf-8"?>
 <p:sld xmlns:a="http://schemas.openxmlformats.org/drawingml/2006/main" xmlns:r="http://schemas.openxmlformats.org/officeDocument/2006/relationships" xmlns:p="http://schemas.openxmlformats.org/presentationml/2006/main">
   <p:cSld>
     <p:bg>
@@ -4659,6 +4517,890 @@
             <p:ph type="title"/>
           </p:nvPr>
         </p:nvSpPr>
+        <p:spPr>
+          <a:xfrm>
+            <a:off x="164080" y="-202204"/>
+            <a:ext cx="10515600" cy="1325563"/>
+          </a:xfrm>
+        </p:spPr>
+        <p:txBody>
+          <a:bodyPr>
+            <a:normAutofit/>
+          </a:bodyPr>
+          <a:lstStyle/>
+          <a:p>
+            <a:r>
+              <a:rPr lang="fr-FR" sz="3600" dirty="0" smtClean="0"/>
+              <a:t>Affichage des sujets</a:t>
+            </a:r>
+            <a:endParaRPr lang="fr-FR" sz="3600" dirty="0"/>
+          </a:p>
+        </p:txBody>
+      </p:sp>
+      <p:sp>
+        <p:nvSpPr>
+          <p:cNvPr id="3" name="Espace réservé du numéro de diapositive 2"/>
+          <p:cNvSpPr>
+            <a:spLocks noGrp="1"/>
+          </p:cNvSpPr>
+          <p:nvPr>
+            <p:ph type="sldNum" sz="quarter" idx="12"/>
+          </p:nvPr>
+        </p:nvSpPr>
+        <p:spPr/>
+        <p:txBody>
+          <a:bodyPr/>
+          <a:lstStyle/>
+          <a:p>
+            <a:pPr marL="0" marR="0" lvl="0" indent="0" algn="r" defTabSz="914400" rtl="0" eaLnBrk="1" fontAlgn="auto" latinLnBrk="0" hangingPunct="1">
+              <a:lnSpc>
+                <a:spcPct val="100000"/>
+              </a:lnSpc>
+              <a:spcBef>
+                <a:spcPts val="0"/>
+              </a:spcBef>
+              <a:spcAft>
+                <a:spcPts val="0"/>
+              </a:spcAft>
+              <a:buClrTx/>
+              <a:buSzTx/>
+              <a:buFontTx/>
+              <a:buNone/>
+              <a:tabLst/>
+              <a:defRPr/>
+            </a:pPr>
+            <a:fld id="{944EC704-34F6-42CE-B313-9D0297A3F889}" type="slidenum">
+              <a:rPr kumimoji="0" lang="fr-FR" sz="1200" b="0" i="0" u="none" strike="noStrike" kern="1200" cap="none" spc="0" normalizeH="0" baseline="0" noProof="0" smtClean="0">
+                <a:ln>
+                  <a:noFill/>
+                </a:ln>
+                <a:solidFill>
+                  <a:prstClr val="black">
+                    <a:tint val="75000"/>
+                  </a:prstClr>
+                </a:solidFill>
+                <a:effectLst/>
+                <a:uLnTx/>
+                <a:uFillTx/>
+                <a:latin typeface="Calibri" panose="020F0502020204030204"/>
+                <a:ea typeface="+mn-ea"/>
+                <a:cs typeface="+mn-cs"/>
+              </a:rPr>
+              <a:pPr marL="0" marR="0" lvl="0" indent="0" algn="r" defTabSz="914400" rtl="0" eaLnBrk="1" fontAlgn="auto" latinLnBrk="0" hangingPunct="1">
+                <a:lnSpc>
+                  <a:spcPct val="100000"/>
+                </a:lnSpc>
+                <a:spcBef>
+                  <a:spcPts val="0"/>
+                </a:spcBef>
+                <a:spcAft>
+                  <a:spcPts val="0"/>
+                </a:spcAft>
+                <a:buClrTx/>
+                <a:buSzTx/>
+                <a:buFontTx/>
+                <a:buNone/>
+                <a:tabLst/>
+                <a:defRPr/>
+              </a:pPr>
+              <a:t>14</a:t>
+            </a:fld>
+            <a:endParaRPr kumimoji="0" lang="fr-FR" sz="1200" b="0" i="0" u="none" strike="noStrike" kern="1200" cap="none" spc="0" normalizeH="0" baseline="0" noProof="0">
+              <a:ln>
+                <a:noFill/>
+              </a:ln>
+              <a:solidFill>
+                <a:prstClr val="black">
+                  <a:tint val="75000"/>
+                </a:prstClr>
+              </a:solidFill>
+              <a:effectLst/>
+              <a:uLnTx/>
+              <a:uFillTx/>
+              <a:latin typeface="Calibri" panose="020F0502020204030204"/>
+              <a:ea typeface="+mn-ea"/>
+              <a:cs typeface="+mn-cs"/>
+            </a:endParaRPr>
+          </a:p>
+        </p:txBody>
+      </p:sp>
+      <p:pic>
+        <p:nvPicPr>
+          <p:cNvPr id="4" name="Image 3"/>
+          <p:cNvPicPr>
+            <a:picLocks noChangeAspect="1"/>
+          </p:cNvPicPr>
+          <p:nvPr/>
+        </p:nvPicPr>
+        <p:blipFill>
+          <a:blip r:embed="rId2"/>
+          <a:stretch>
+            <a:fillRect/>
+          </a:stretch>
+        </p:blipFill>
+        <p:spPr>
+          <a:xfrm>
+            <a:off x="0" y="1123359"/>
+            <a:ext cx="6276975" cy="4800600"/>
+          </a:xfrm>
+          <a:prstGeom prst="rect">
+            <a:avLst/>
+          </a:prstGeom>
+        </p:spPr>
+      </p:pic>
+      <p:pic>
+        <p:nvPicPr>
+          <p:cNvPr id="5" name="Image 4"/>
+          <p:cNvPicPr>
+            <a:picLocks noChangeAspect="1"/>
+          </p:cNvPicPr>
+          <p:nvPr/>
+        </p:nvPicPr>
+        <p:blipFill>
+          <a:blip r:embed="rId3"/>
+          <a:stretch>
+            <a:fillRect/>
+          </a:stretch>
+        </p:blipFill>
+        <p:spPr>
+          <a:xfrm>
+            <a:off x="6552025" y="1123359"/>
+            <a:ext cx="5476875" cy="4543425"/>
+          </a:xfrm>
+          <a:prstGeom prst="rect">
+            <a:avLst/>
+          </a:prstGeom>
+        </p:spPr>
+      </p:pic>
+    </p:spTree>
+    <p:extLst>
+      <p:ext uri="{BB962C8B-B14F-4D97-AF65-F5344CB8AC3E}">
+        <p14:creationId xmlns:p14="http://schemas.microsoft.com/office/powerpoint/2010/main" val="4274444776"/>
+      </p:ext>
+    </p:extLst>
+  </p:cSld>
+  <p:clrMapOvr>
+    <a:masterClrMapping/>
+  </p:clrMapOvr>
+  <mc:AlternateContent xmlns:mc="http://schemas.openxmlformats.org/markup-compatibility/2006">
+    <mc:Choice xmlns:p14="http://schemas.microsoft.com/office/powerpoint/2010/main" Requires="p14">
+      <p:transition spd="med" p14:dur="700">
+        <p:fade/>
+      </p:transition>
+    </mc:Choice>
+    <mc:Fallback>
+      <p:transition spd="med">
+        <p:fade/>
+      </p:transition>
+    </mc:Fallback>
+  </mc:AlternateContent>
+  <p:timing>
+    <p:tnLst>
+      <p:par>
+        <p:cTn id="1" dur="indefinite" restart="never" nodeType="tmRoot"/>
+      </p:par>
+    </p:tnLst>
+  </p:timing>
+</p:sld>
+</file>
+
+<file path=ppt/slides/slide15.xml><?xml version="1.0" encoding="utf-8"?>
+<p:sld xmlns:a="http://schemas.openxmlformats.org/drawingml/2006/main" xmlns:r="http://schemas.openxmlformats.org/officeDocument/2006/relationships" xmlns:p="http://schemas.openxmlformats.org/presentationml/2006/main">
+  <p:cSld>
+    <p:bg>
+      <p:bgPr>
+        <a:gradFill>
+          <a:gsLst>
+            <a:gs pos="0">
+              <a:schemeClr val="accent1">
+                <a:lumMod val="5000"/>
+                <a:lumOff val="95000"/>
+              </a:schemeClr>
+            </a:gs>
+            <a:gs pos="32000">
+              <a:schemeClr val="accent1">
+                <a:lumMod val="75000"/>
+              </a:schemeClr>
+            </a:gs>
+            <a:gs pos="69000">
+              <a:schemeClr val="accent1">
+                <a:lumMod val="60000"/>
+                <a:lumOff val="40000"/>
+              </a:schemeClr>
+            </a:gs>
+            <a:gs pos="100000">
+              <a:schemeClr val="accent1">
+                <a:lumMod val="30000"/>
+                <a:lumOff val="70000"/>
+              </a:schemeClr>
+            </a:gs>
+          </a:gsLst>
+          <a:lin ang="5400000" scaled="1"/>
+        </a:gradFill>
+        <a:effectLst/>
+      </p:bgPr>
+    </p:bg>
+    <p:spTree>
+      <p:nvGrpSpPr>
+        <p:cNvPr id="1" name=""/>
+        <p:cNvGrpSpPr/>
+        <p:nvPr/>
+      </p:nvGrpSpPr>
+      <p:grpSpPr>
+        <a:xfrm>
+          <a:off x="0" y="0"/>
+          <a:ext cx="0" cy="0"/>
+          <a:chOff x="0" y="0"/>
+          <a:chExt cx="0" cy="0"/>
+        </a:xfrm>
+      </p:grpSpPr>
+      <p:sp>
+        <p:nvSpPr>
+          <p:cNvPr id="2" name="Titre 1"/>
+          <p:cNvSpPr>
+            <a:spLocks noGrp="1"/>
+          </p:cNvSpPr>
+          <p:nvPr>
+            <p:ph type="title"/>
+          </p:nvPr>
+        </p:nvSpPr>
+        <p:spPr>
+          <a:xfrm>
+            <a:off x="164080" y="-202204"/>
+            <a:ext cx="10515600" cy="1325563"/>
+          </a:xfrm>
+        </p:spPr>
+        <p:txBody>
+          <a:bodyPr>
+            <a:normAutofit/>
+          </a:bodyPr>
+          <a:lstStyle/>
+          <a:p>
+            <a:r>
+              <a:rPr lang="fr-FR" sz="3600" dirty="0" smtClean="0"/>
+              <a:t>Modification du compte</a:t>
+            </a:r>
+            <a:endParaRPr lang="fr-FR" sz="3600" dirty="0"/>
+          </a:p>
+        </p:txBody>
+      </p:sp>
+      <p:pic>
+        <p:nvPicPr>
+          <p:cNvPr id="3" name="Image 2"/>
+          <p:cNvPicPr>
+            <a:picLocks noChangeAspect="1"/>
+          </p:cNvPicPr>
+          <p:nvPr/>
+        </p:nvPicPr>
+        <p:blipFill>
+          <a:blip r:embed="rId2"/>
+          <a:stretch>
+            <a:fillRect/>
+          </a:stretch>
+        </p:blipFill>
+        <p:spPr>
+          <a:xfrm>
+            <a:off x="441914" y="2077625"/>
+            <a:ext cx="4979966" cy="2788080"/>
+          </a:xfrm>
+          <a:prstGeom prst="rect">
+            <a:avLst/>
+          </a:prstGeom>
+        </p:spPr>
+      </p:pic>
+      <p:pic>
+        <p:nvPicPr>
+          <p:cNvPr id="4" name="Image 3"/>
+          <p:cNvPicPr>
+            <a:picLocks noChangeAspect="1"/>
+          </p:cNvPicPr>
+          <p:nvPr/>
+        </p:nvPicPr>
+        <p:blipFill>
+          <a:blip r:embed="rId3"/>
+          <a:stretch>
+            <a:fillRect/>
+          </a:stretch>
+        </p:blipFill>
+        <p:spPr>
+          <a:xfrm>
+            <a:off x="5648450" y="1704444"/>
+            <a:ext cx="5532168" cy="3534441"/>
+          </a:xfrm>
+          <a:prstGeom prst="rect">
+            <a:avLst/>
+          </a:prstGeom>
+        </p:spPr>
+      </p:pic>
+      <p:sp>
+        <p:nvSpPr>
+          <p:cNvPr id="5" name="Espace réservé du numéro de diapositive 4"/>
+          <p:cNvSpPr>
+            <a:spLocks noGrp="1"/>
+          </p:cNvSpPr>
+          <p:nvPr>
+            <p:ph type="sldNum" sz="quarter" idx="12"/>
+          </p:nvPr>
+        </p:nvSpPr>
+        <p:spPr/>
+        <p:txBody>
+          <a:bodyPr/>
+          <a:lstStyle/>
+          <a:p>
+            <a:fld id="{944EC704-34F6-42CE-B313-9D0297A3F889}" type="slidenum">
+              <a:rPr lang="fr-FR" smtClean="0"/>
+              <a:t>15</a:t>
+            </a:fld>
+            <a:endParaRPr lang="fr-FR"/>
+          </a:p>
+        </p:txBody>
+      </p:sp>
+    </p:spTree>
+    <p:extLst>
+      <p:ext uri="{BB962C8B-B14F-4D97-AF65-F5344CB8AC3E}">
+        <p14:creationId xmlns:p14="http://schemas.microsoft.com/office/powerpoint/2010/main" val="6793766"/>
+      </p:ext>
+    </p:extLst>
+  </p:cSld>
+  <p:clrMapOvr>
+    <a:masterClrMapping/>
+  </p:clrMapOvr>
+  <mc:AlternateContent xmlns:mc="http://schemas.openxmlformats.org/markup-compatibility/2006">
+    <mc:Choice xmlns:p14="http://schemas.microsoft.com/office/powerpoint/2010/main" Requires="p14">
+      <p:transition spd="med" p14:dur="700">
+        <p:fade/>
+      </p:transition>
+    </mc:Choice>
+    <mc:Fallback>
+      <p:transition spd="med">
+        <p:fade/>
+      </p:transition>
+    </mc:Fallback>
+  </mc:AlternateContent>
+  <p:timing>
+    <p:tnLst>
+      <p:par>
+        <p:cTn id="1" dur="indefinite" restart="never" nodeType="tmRoot"/>
+      </p:par>
+    </p:tnLst>
+  </p:timing>
+</p:sld>
+</file>
+
+<file path=ppt/slides/slide16.xml><?xml version="1.0" encoding="utf-8"?>
+<p:sld xmlns:a="http://schemas.openxmlformats.org/drawingml/2006/main" xmlns:r="http://schemas.openxmlformats.org/officeDocument/2006/relationships" xmlns:p="http://schemas.openxmlformats.org/presentationml/2006/main">
+  <p:cSld>
+    <p:bg>
+      <p:bgPr>
+        <a:gradFill>
+          <a:gsLst>
+            <a:gs pos="0">
+              <a:schemeClr val="accent1">
+                <a:lumMod val="5000"/>
+                <a:lumOff val="95000"/>
+              </a:schemeClr>
+            </a:gs>
+            <a:gs pos="32000">
+              <a:schemeClr val="accent1">
+                <a:lumMod val="75000"/>
+              </a:schemeClr>
+            </a:gs>
+            <a:gs pos="69000">
+              <a:schemeClr val="accent1">
+                <a:lumMod val="60000"/>
+                <a:lumOff val="40000"/>
+              </a:schemeClr>
+            </a:gs>
+            <a:gs pos="100000">
+              <a:schemeClr val="accent1">
+                <a:lumMod val="30000"/>
+                <a:lumOff val="70000"/>
+              </a:schemeClr>
+            </a:gs>
+          </a:gsLst>
+          <a:lin ang="5400000" scaled="1"/>
+        </a:gradFill>
+        <a:effectLst/>
+      </p:bgPr>
+    </p:bg>
+    <p:spTree>
+      <p:nvGrpSpPr>
+        <p:cNvPr id="1" name=""/>
+        <p:cNvGrpSpPr/>
+        <p:nvPr/>
+      </p:nvGrpSpPr>
+      <p:grpSpPr>
+        <a:xfrm>
+          <a:off x="0" y="0"/>
+          <a:ext cx="0" cy="0"/>
+          <a:chOff x="0" y="0"/>
+          <a:chExt cx="0" cy="0"/>
+        </a:xfrm>
+      </p:grpSpPr>
+      <p:sp>
+        <p:nvSpPr>
+          <p:cNvPr id="2" name="Titre 1"/>
+          <p:cNvSpPr>
+            <a:spLocks noGrp="1"/>
+          </p:cNvSpPr>
+          <p:nvPr>
+            <p:ph type="title"/>
+          </p:nvPr>
+        </p:nvSpPr>
+        <p:spPr>
+          <a:xfrm>
+            <a:off x="164080" y="-202204"/>
+            <a:ext cx="10515600" cy="1325563"/>
+          </a:xfrm>
+        </p:spPr>
+        <p:txBody>
+          <a:bodyPr>
+            <a:normAutofit/>
+          </a:bodyPr>
+          <a:lstStyle/>
+          <a:p>
+            <a:r>
+              <a:rPr lang="fr-FR" sz="3600" dirty="0" smtClean="0"/>
+              <a:t>Modification du compte</a:t>
+            </a:r>
+            <a:endParaRPr lang="fr-FR" sz="3600" dirty="0"/>
+          </a:p>
+        </p:txBody>
+      </p:sp>
+      <p:pic>
+        <p:nvPicPr>
+          <p:cNvPr id="7" name="Image 6"/>
+          <p:cNvPicPr>
+            <a:picLocks noChangeAspect="1"/>
+          </p:cNvPicPr>
+          <p:nvPr/>
+        </p:nvPicPr>
+        <p:blipFill>
+          <a:blip r:embed="rId2"/>
+          <a:stretch>
+            <a:fillRect/>
+          </a:stretch>
+        </p:blipFill>
+        <p:spPr>
+          <a:xfrm>
+            <a:off x="7182069" y="807397"/>
+            <a:ext cx="4742241" cy="4856512"/>
+          </a:xfrm>
+          <a:prstGeom prst="rect">
+            <a:avLst/>
+          </a:prstGeom>
+        </p:spPr>
+      </p:pic>
+      <p:pic>
+        <p:nvPicPr>
+          <p:cNvPr id="9" name="Image 8"/>
+          <p:cNvPicPr>
+            <a:picLocks noChangeAspect="1"/>
+          </p:cNvPicPr>
+          <p:nvPr/>
+        </p:nvPicPr>
+        <p:blipFill>
+          <a:blip r:embed="rId3"/>
+          <a:stretch>
+            <a:fillRect/>
+          </a:stretch>
+        </p:blipFill>
+        <p:spPr>
+          <a:xfrm>
+            <a:off x="51264" y="1905554"/>
+            <a:ext cx="6860798" cy="2660198"/>
+          </a:xfrm>
+          <a:prstGeom prst="rect">
+            <a:avLst/>
+          </a:prstGeom>
+        </p:spPr>
+      </p:pic>
+      <p:sp>
+        <p:nvSpPr>
+          <p:cNvPr id="3" name="Espace réservé du numéro de diapositive 2"/>
+          <p:cNvSpPr>
+            <a:spLocks noGrp="1"/>
+          </p:cNvSpPr>
+          <p:nvPr>
+            <p:ph type="sldNum" sz="quarter" idx="12"/>
+          </p:nvPr>
+        </p:nvSpPr>
+        <p:spPr/>
+        <p:txBody>
+          <a:bodyPr/>
+          <a:lstStyle/>
+          <a:p>
+            <a:fld id="{944EC704-34F6-42CE-B313-9D0297A3F889}" type="slidenum">
+              <a:rPr lang="fr-FR" smtClean="0"/>
+              <a:t>16</a:t>
+            </a:fld>
+            <a:endParaRPr lang="fr-FR"/>
+          </a:p>
+        </p:txBody>
+      </p:sp>
+    </p:spTree>
+    <p:extLst>
+      <p:ext uri="{BB962C8B-B14F-4D97-AF65-F5344CB8AC3E}">
+        <p14:creationId xmlns:p14="http://schemas.microsoft.com/office/powerpoint/2010/main" val="1048807597"/>
+      </p:ext>
+    </p:extLst>
+  </p:cSld>
+  <p:clrMapOvr>
+    <a:masterClrMapping/>
+  </p:clrMapOvr>
+  <mc:AlternateContent xmlns:mc="http://schemas.openxmlformats.org/markup-compatibility/2006">
+    <mc:Choice xmlns:p14="http://schemas.microsoft.com/office/powerpoint/2010/main" Requires="p14">
+      <p:transition spd="med" p14:dur="700">
+        <p:fade/>
+      </p:transition>
+    </mc:Choice>
+    <mc:Fallback>
+      <p:transition spd="med">
+        <p:fade/>
+      </p:transition>
+    </mc:Fallback>
+  </mc:AlternateContent>
+  <p:timing>
+    <p:tnLst>
+      <p:par>
+        <p:cTn id="1" dur="indefinite" restart="never" nodeType="tmRoot"/>
+      </p:par>
+    </p:tnLst>
+  </p:timing>
+</p:sld>
+</file>
+
+<file path=ppt/slides/slide17.xml><?xml version="1.0" encoding="utf-8"?>
+<p:sld xmlns:a="http://schemas.openxmlformats.org/drawingml/2006/main" xmlns:r="http://schemas.openxmlformats.org/officeDocument/2006/relationships" xmlns:p="http://schemas.openxmlformats.org/presentationml/2006/main">
+  <p:cSld>
+    <p:bg>
+      <p:bgPr>
+        <a:gradFill>
+          <a:gsLst>
+            <a:gs pos="0">
+              <a:schemeClr val="accent1">
+                <a:lumMod val="5000"/>
+                <a:lumOff val="95000"/>
+              </a:schemeClr>
+            </a:gs>
+            <a:gs pos="32000">
+              <a:schemeClr val="accent1">
+                <a:lumMod val="75000"/>
+              </a:schemeClr>
+            </a:gs>
+            <a:gs pos="69000">
+              <a:schemeClr val="accent1">
+                <a:lumMod val="60000"/>
+                <a:lumOff val="40000"/>
+              </a:schemeClr>
+            </a:gs>
+            <a:gs pos="100000">
+              <a:schemeClr val="accent1">
+                <a:lumMod val="30000"/>
+                <a:lumOff val="70000"/>
+              </a:schemeClr>
+            </a:gs>
+          </a:gsLst>
+          <a:lin ang="5400000" scaled="1"/>
+        </a:gradFill>
+        <a:effectLst/>
+      </p:bgPr>
+    </p:bg>
+    <p:spTree>
+      <p:nvGrpSpPr>
+        <p:cNvPr id="1" name=""/>
+        <p:cNvGrpSpPr/>
+        <p:nvPr/>
+      </p:nvGrpSpPr>
+      <p:grpSpPr>
+        <a:xfrm>
+          <a:off x="0" y="0"/>
+          <a:ext cx="0" cy="0"/>
+          <a:chOff x="0" y="0"/>
+          <a:chExt cx="0" cy="0"/>
+        </a:xfrm>
+      </p:grpSpPr>
+      <p:sp>
+        <p:nvSpPr>
+          <p:cNvPr id="2" name="Titre 1"/>
+          <p:cNvSpPr>
+            <a:spLocks noGrp="1"/>
+          </p:cNvSpPr>
+          <p:nvPr>
+            <p:ph type="title"/>
+          </p:nvPr>
+        </p:nvSpPr>
+        <p:spPr>
+          <a:xfrm>
+            <a:off x="164080" y="-202204"/>
+            <a:ext cx="10515600" cy="1325563"/>
+          </a:xfrm>
+        </p:spPr>
+        <p:txBody>
+          <a:bodyPr>
+            <a:normAutofit/>
+          </a:bodyPr>
+          <a:lstStyle/>
+          <a:p>
+            <a:r>
+              <a:rPr lang="fr-FR" sz="3600" dirty="0" smtClean="0"/>
+              <a:t>suppression</a:t>
+            </a:r>
+            <a:endParaRPr lang="fr-FR" sz="3600" dirty="0"/>
+          </a:p>
+        </p:txBody>
+      </p:sp>
+      <p:sp>
+        <p:nvSpPr>
+          <p:cNvPr id="3" name="Espace réservé du numéro de diapositive 2"/>
+          <p:cNvSpPr>
+            <a:spLocks noGrp="1"/>
+          </p:cNvSpPr>
+          <p:nvPr>
+            <p:ph type="sldNum" sz="quarter" idx="12"/>
+          </p:nvPr>
+        </p:nvSpPr>
+        <p:spPr/>
+        <p:txBody>
+          <a:bodyPr/>
+          <a:lstStyle/>
+          <a:p>
+            <a:pPr marL="0" marR="0" lvl="0" indent="0" algn="r" defTabSz="914400" rtl="0" eaLnBrk="1" fontAlgn="auto" latinLnBrk="0" hangingPunct="1">
+              <a:lnSpc>
+                <a:spcPct val="100000"/>
+              </a:lnSpc>
+              <a:spcBef>
+                <a:spcPts val="0"/>
+              </a:spcBef>
+              <a:spcAft>
+                <a:spcPts val="0"/>
+              </a:spcAft>
+              <a:buClrTx/>
+              <a:buSzTx/>
+              <a:buFontTx/>
+              <a:buNone/>
+              <a:tabLst/>
+              <a:defRPr/>
+            </a:pPr>
+            <a:fld id="{944EC704-34F6-42CE-B313-9D0297A3F889}" type="slidenum">
+              <a:rPr kumimoji="0" lang="fr-FR" sz="1200" b="0" i="0" u="none" strike="noStrike" kern="1200" cap="none" spc="0" normalizeH="0" baseline="0" noProof="0" smtClean="0">
+                <a:ln>
+                  <a:noFill/>
+                </a:ln>
+                <a:solidFill>
+                  <a:prstClr val="black">
+                    <a:tint val="75000"/>
+                  </a:prstClr>
+                </a:solidFill>
+                <a:effectLst/>
+                <a:uLnTx/>
+                <a:uFillTx/>
+                <a:latin typeface="Calibri" panose="020F0502020204030204"/>
+                <a:ea typeface="+mn-ea"/>
+                <a:cs typeface="+mn-cs"/>
+              </a:rPr>
+              <a:pPr marL="0" marR="0" lvl="0" indent="0" algn="r" defTabSz="914400" rtl="0" eaLnBrk="1" fontAlgn="auto" latinLnBrk="0" hangingPunct="1">
+                <a:lnSpc>
+                  <a:spcPct val="100000"/>
+                </a:lnSpc>
+                <a:spcBef>
+                  <a:spcPts val="0"/>
+                </a:spcBef>
+                <a:spcAft>
+                  <a:spcPts val="0"/>
+                </a:spcAft>
+                <a:buClrTx/>
+                <a:buSzTx/>
+                <a:buFontTx/>
+                <a:buNone/>
+                <a:tabLst/>
+                <a:defRPr/>
+              </a:pPr>
+              <a:t>17</a:t>
+            </a:fld>
+            <a:endParaRPr kumimoji="0" lang="fr-FR" sz="1200" b="0" i="0" u="none" strike="noStrike" kern="1200" cap="none" spc="0" normalizeH="0" baseline="0" noProof="0">
+              <a:ln>
+                <a:noFill/>
+              </a:ln>
+              <a:solidFill>
+                <a:prstClr val="black">
+                  <a:tint val="75000"/>
+                </a:prstClr>
+              </a:solidFill>
+              <a:effectLst/>
+              <a:uLnTx/>
+              <a:uFillTx/>
+              <a:latin typeface="Calibri" panose="020F0502020204030204"/>
+              <a:ea typeface="+mn-ea"/>
+              <a:cs typeface="+mn-cs"/>
+            </a:endParaRPr>
+          </a:p>
+        </p:txBody>
+      </p:sp>
+      <p:pic>
+        <p:nvPicPr>
+          <p:cNvPr id="4" name="Image 3"/>
+          <p:cNvPicPr>
+            <a:picLocks noChangeAspect="1"/>
+          </p:cNvPicPr>
+          <p:nvPr/>
+        </p:nvPicPr>
+        <p:blipFill>
+          <a:blip r:embed="rId2"/>
+          <a:stretch>
+            <a:fillRect/>
+          </a:stretch>
+        </p:blipFill>
+        <p:spPr>
+          <a:xfrm>
+            <a:off x="1789824" y="892191"/>
+            <a:ext cx="8037007" cy="2027214"/>
+          </a:xfrm>
+          <a:prstGeom prst="rect">
+            <a:avLst/>
+          </a:prstGeom>
+        </p:spPr>
+      </p:pic>
+      <p:pic>
+        <p:nvPicPr>
+          <p:cNvPr id="5" name="Image 4"/>
+          <p:cNvPicPr>
+            <a:picLocks noChangeAspect="1"/>
+          </p:cNvPicPr>
+          <p:nvPr/>
+        </p:nvPicPr>
+        <p:blipFill>
+          <a:blip r:embed="rId3"/>
+          <a:stretch>
+            <a:fillRect/>
+          </a:stretch>
+        </p:blipFill>
+        <p:spPr>
+          <a:xfrm>
+            <a:off x="356877" y="3318287"/>
+            <a:ext cx="6229350" cy="2038350"/>
+          </a:xfrm>
+          <a:prstGeom prst="rect">
+            <a:avLst/>
+          </a:prstGeom>
+        </p:spPr>
+      </p:pic>
+      <p:pic>
+        <p:nvPicPr>
+          <p:cNvPr id="6" name="Image 5"/>
+          <p:cNvPicPr>
+            <a:picLocks noChangeAspect="1"/>
+          </p:cNvPicPr>
+          <p:nvPr/>
+        </p:nvPicPr>
+        <p:blipFill>
+          <a:blip r:embed="rId4"/>
+          <a:stretch>
+            <a:fillRect/>
+          </a:stretch>
+        </p:blipFill>
+        <p:spPr>
+          <a:xfrm>
+            <a:off x="6891214" y="3032537"/>
+            <a:ext cx="4905375" cy="2609850"/>
+          </a:xfrm>
+          <a:prstGeom prst="rect">
+            <a:avLst/>
+          </a:prstGeom>
+        </p:spPr>
+      </p:pic>
+    </p:spTree>
+    <p:extLst>
+      <p:ext uri="{BB962C8B-B14F-4D97-AF65-F5344CB8AC3E}">
+        <p14:creationId xmlns:p14="http://schemas.microsoft.com/office/powerpoint/2010/main" val="2052933657"/>
+      </p:ext>
+    </p:extLst>
+  </p:cSld>
+  <p:clrMapOvr>
+    <a:masterClrMapping/>
+  </p:clrMapOvr>
+  <mc:AlternateContent xmlns:mc="http://schemas.openxmlformats.org/markup-compatibility/2006">
+    <mc:Choice xmlns:p14="http://schemas.microsoft.com/office/powerpoint/2010/main" Requires="p14">
+      <p:transition spd="med" p14:dur="700">
+        <p:fade/>
+      </p:transition>
+    </mc:Choice>
+    <mc:Fallback>
+      <p:transition spd="med">
+        <p:fade/>
+      </p:transition>
+    </mc:Fallback>
+  </mc:AlternateContent>
+  <p:timing>
+    <p:tnLst>
+      <p:par>
+        <p:cTn id="1" dur="indefinite" restart="never" nodeType="tmRoot"/>
+      </p:par>
+    </p:tnLst>
+  </p:timing>
+</p:sld>
+</file>
+
+<file path=ppt/slides/slide2.xml><?xml version="1.0" encoding="utf-8"?>
+<p:sld xmlns:a="http://schemas.openxmlformats.org/drawingml/2006/main" xmlns:r="http://schemas.openxmlformats.org/officeDocument/2006/relationships" xmlns:p="http://schemas.openxmlformats.org/presentationml/2006/main">
+  <p:cSld>
+    <p:bg>
+      <p:bgPr>
+        <a:gradFill>
+          <a:gsLst>
+            <a:gs pos="0">
+              <a:schemeClr val="accent1">
+                <a:lumMod val="5000"/>
+                <a:lumOff val="95000"/>
+              </a:schemeClr>
+            </a:gs>
+            <a:gs pos="32000">
+              <a:schemeClr val="accent1">
+                <a:lumMod val="75000"/>
+              </a:schemeClr>
+            </a:gs>
+            <a:gs pos="69000">
+              <a:schemeClr val="accent1">
+                <a:lumMod val="60000"/>
+                <a:lumOff val="40000"/>
+              </a:schemeClr>
+            </a:gs>
+            <a:gs pos="100000">
+              <a:schemeClr val="accent1">
+                <a:lumMod val="30000"/>
+                <a:lumOff val="70000"/>
+              </a:schemeClr>
+            </a:gs>
+          </a:gsLst>
+          <a:lin ang="5400000" scaled="1"/>
+        </a:gradFill>
+        <a:effectLst/>
+      </p:bgPr>
+    </p:bg>
+    <p:spTree>
+      <p:nvGrpSpPr>
+        <p:cNvPr id="1" name=""/>
+        <p:cNvGrpSpPr/>
+        <p:nvPr/>
+      </p:nvGrpSpPr>
+      <p:grpSpPr>
+        <a:xfrm>
+          <a:off x="0" y="0"/>
+          <a:ext cx="0" cy="0"/>
+          <a:chOff x="0" y="0"/>
+          <a:chExt cx="0" cy="0"/>
+        </a:xfrm>
+      </p:grpSpPr>
+      <p:sp>
+        <p:nvSpPr>
+          <p:cNvPr id="2" name="Titre 1"/>
+          <p:cNvSpPr>
+            <a:spLocks noGrp="1"/>
+          </p:cNvSpPr>
+          <p:nvPr>
+            <p:ph type="title"/>
+          </p:nvPr>
+        </p:nvSpPr>
         <p:spPr/>
         <p:txBody>
           <a:bodyPr>
@@ -4760,6 +5502,18 @@
   <p:clrMapOvr>
     <a:masterClrMapping/>
   </p:clrMapOvr>
+  <mc:AlternateContent xmlns:mc="http://schemas.openxmlformats.org/markup-compatibility/2006">
+    <mc:Choice xmlns:p14="http://schemas.microsoft.com/office/powerpoint/2010/main" Requires="p14">
+      <p:transition spd="med" p14:dur="700">
+        <p:fade/>
+      </p:transition>
+    </mc:Choice>
+    <mc:Fallback>
+      <p:transition spd="med">
+        <p:fade/>
+      </p:transition>
+    </mc:Fallback>
+  </mc:AlternateContent>
   <p:timing>
     <p:tnLst>
       <p:par>
@@ -4941,6 +5695,18 @@
   <p:clrMapOvr>
     <a:masterClrMapping/>
   </p:clrMapOvr>
+  <mc:AlternateContent xmlns:mc="http://schemas.openxmlformats.org/markup-compatibility/2006">
+    <mc:Choice xmlns:p14="http://schemas.microsoft.com/office/powerpoint/2010/main" Requires="p14">
+      <p:transition spd="med" p14:dur="700">
+        <p:fade/>
+      </p:transition>
+    </mc:Choice>
+    <mc:Fallback>
+      <p:transition spd="med">
+        <p:fade/>
+      </p:transition>
+    </mc:Fallback>
+  </mc:AlternateContent>
   <p:timing>
     <p:tnLst>
       <p:par>
@@ -5122,6 +5888,18 @@
   <p:clrMapOvr>
     <a:masterClrMapping/>
   </p:clrMapOvr>
+  <mc:AlternateContent xmlns:mc="http://schemas.openxmlformats.org/markup-compatibility/2006">
+    <mc:Choice xmlns:p14="http://schemas.microsoft.com/office/powerpoint/2010/main" Requires="p14">
+      <p:transition spd="med" p14:dur="700">
+        <p:fade/>
+      </p:transition>
+    </mc:Choice>
+    <mc:Fallback>
+      <p:transition spd="med">
+        <p:fade/>
+      </p:transition>
+    </mc:Fallback>
+  </mc:AlternateContent>
   <p:timing>
     <p:tnLst>
       <p:par>
@@ -5293,6 +6071,18 @@
   <p:clrMapOvr>
     <a:masterClrMapping/>
   </p:clrMapOvr>
+  <mc:AlternateContent xmlns:mc="http://schemas.openxmlformats.org/markup-compatibility/2006">
+    <mc:Choice xmlns:p14="http://schemas.microsoft.com/office/powerpoint/2010/main" Requires="p14">
+      <p:transition spd="med" p14:dur="700">
+        <p:fade/>
+      </p:transition>
+    </mc:Choice>
+    <mc:Fallback>
+      <p:transition spd="med">
+        <p:fade/>
+      </p:transition>
+    </mc:Fallback>
+  </mc:AlternateContent>
   <p:timing>
     <p:tnLst>
       <p:par>
@@ -5512,6 +6302,18 @@
   <p:clrMapOvr>
     <a:masterClrMapping/>
   </p:clrMapOvr>
+  <mc:AlternateContent xmlns:mc="http://schemas.openxmlformats.org/markup-compatibility/2006">
+    <mc:Choice xmlns:p14="http://schemas.microsoft.com/office/powerpoint/2010/main" Requires="p14">
+      <p:transition spd="med" p14:dur="700">
+        <p:fade/>
+      </p:transition>
+    </mc:Choice>
+    <mc:Fallback>
+      <p:transition spd="med">
+        <p:fade/>
+      </p:transition>
+    </mc:Fallback>
+  </mc:AlternateContent>
   <p:timing>
     <p:tnLst>
       <p:par>
@@ -5683,6 +6485,25 @@
   <p:clrMapOvr>
     <a:masterClrMapping/>
   </p:clrMapOvr>
+  <mc:AlternateContent xmlns:mc="http://schemas.openxmlformats.org/markup-compatibility/2006">
+    <mc:Choice xmlns:p14="http://schemas.microsoft.com/office/powerpoint/2010/main" Requires="p14">
+      <p:transition spd="med" p14:dur="700">
+        <p:fade/>
+      </p:transition>
+    </mc:Choice>
+    <mc:Fallback>
+      <p:transition spd="med">
+        <p:fade/>
+      </p:transition>
+    </mc:Fallback>
+  </mc:AlternateContent>
+  <p:timing>
+    <p:tnLst>
+      <p:par>
+        <p:cTn id="1" dur="indefinite" restart="never" nodeType="tmRoot"/>
+      </p:par>
+    </p:tnLst>
+  </p:timing>
 </p:sld>
 </file>
 
@@ -5847,6 +6668,25 @@
   <p:clrMapOvr>
     <a:masterClrMapping/>
   </p:clrMapOvr>
+  <mc:AlternateContent xmlns:mc="http://schemas.openxmlformats.org/markup-compatibility/2006">
+    <mc:Choice xmlns:p14="http://schemas.microsoft.com/office/powerpoint/2010/main" Requires="p14">
+      <p:transition spd="med" p14:dur="700">
+        <p:fade/>
+      </p:transition>
+    </mc:Choice>
+    <mc:Fallback>
+      <p:transition spd="med">
+        <p:fade/>
+      </p:transition>
+    </mc:Fallback>
+  </mc:AlternateContent>
+  <p:timing>
+    <p:tnLst>
+      <p:par>
+        <p:cTn id="1" dur="indefinite" restart="never" nodeType="tmRoot"/>
+      </p:par>
+    </p:tnLst>
+  </p:timing>
 </p:sld>
 </file>
 
@@ -5930,9 +6770,32 @@
           </a:p>
         </p:txBody>
       </p:sp>
+      <p:sp>
+        <p:nvSpPr>
+          <p:cNvPr id="3" name="Espace réservé du numéro de diapositive 2"/>
+          <p:cNvSpPr>
+            <a:spLocks noGrp="1"/>
+          </p:cNvSpPr>
+          <p:nvPr>
+            <p:ph type="sldNum" sz="quarter" idx="12"/>
+          </p:nvPr>
+        </p:nvSpPr>
+        <p:spPr/>
+        <p:txBody>
+          <a:bodyPr/>
+          <a:lstStyle/>
+          <a:p>
+            <a:fld id="{944EC704-34F6-42CE-B313-9D0297A3F889}" type="slidenum">
+              <a:rPr lang="fr-FR" smtClean="0"/>
+              <a:t>9</a:t>
+            </a:fld>
+            <a:endParaRPr lang="fr-FR"/>
+          </a:p>
+        </p:txBody>
+      </p:sp>
       <p:pic>
         <p:nvPicPr>
-          <p:cNvPr id="8" name="Image 7"/>
+          <p:cNvPr id="4" name="Image 3"/>
           <p:cNvPicPr>
             <a:picLocks noChangeAspect="1"/>
           </p:cNvPicPr>
@@ -5946,37 +6809,14 @@
         </p:blipFill>
         <p:spPr>
           <a:xfrm>
-            <a:off x="2296303" y="816334"/>
-            <a:ext cx="6918960" cy="5701377"/>
+            <a:off x="2315688" y="897015"/>
+            <a:ext cx="7145976" cy="5824460"/>
           </a:xfrm>
           <a:prstGeom prst="rect">
             <a:avLst/>
           </a:prstGeom>
         </p:spPr>
       </p:pic>
-      <p:sp>
-        <p:nvSpPr>
-          <p:cNvPr id="3" name="Espace réservé du numéro de diapositive 2"/>
-          <p:cNvSpPr>
-            <a:spLocks noGrp="1"/>
-          </p:cNvSpPr>
-          <p:nvPr>
-            <p:ph type="sldNum" sz="quarter" idx="12"/>
-          </p:nvPr>
-        </p:nvSpPr>
-        <p:spPr/>
-        <p:txBody>
-          <a:bodyPr/>
-          <a:lstStyle/>
-          <a:p>
-            <a:fld id="{944EC704-34F6-42CE-B313-9D0297A3F889}" type="slidenum">
-              <a:rPr lang="fr-FR" smtClean="0"/>
-              <a:t>9</a:t>
-            </a:fld>
-            <a:endParaRPr lang="fr-FR"/>
-          </a:p>
-        </p:txBody>
-      </p:sp>
     </p:spTree>
     <p:extLst>
       <p:ext uri="{BB962C8B-B14F-4D97-AF65-F5344CB8AC3E}">
@@ -5987,6 +6827,25 @@
   <p:clrMapOvr>
     <a:masterClrMapping/>
   </p:clrMapOvr>
+  <mc:AlternateContent xmlns:mc="http://schemas.openxmlformats.org/markup-compatibility/2006">
+    <mc:Choice xmlns:p14="http://schemas.microsoft.com/office/powerpoint/2010/main" Requires="p14">
+      <p:transition spd="med" p14:dur="700">
+        <p:fade/>
+      </p:transition>
+    </mc:Choice>
+    <mc:Fallback>
+      <p:transition spd="med">
+        <p:fade/>
+      </p:transition>
+    </mc:Fallback>
+  </mc:AlternateContent>
+  <p:timing>
+    <p:tnLst>
+      <p:par>
+        <p:cTn id="1" dur="indefinite" restart="never" nodeType="tmRoot"/>
+      </p:par>
+    </p:tnLst>
+  </p:timing>
 </p:sld>
 </file>
 
